--- a/images/theory_analysis/SNMP/SNMP.pptx
+++ b/images/theory_analysis/SNMP/SNMP.pptx
@@ -956,7 +956,7 @@
       </dgm:t>
     </dgm:pt>
     <dgm:pt modelId="{CD7E7D3A-44A6-49AC-BB64-84A8E85CAB0D}">
-      <dgm:prSet phldrT="[텍스트]"/>
+      <dgm:prSet phldrT="[텍스트]" custT="1"/>
       <dgm:spPr/>
       <dgm:t>
         <a:bodyPr/>
@@ -964,10 +964,10 @@
         <a:p>
           <a:pPr latinLnBrk="1"/>
           <a:r>
-            <a:rPr lang="en-US" altLang="ko-KR"/>
+            <a:rPr lang="en-US" altLang="ko-KR" sz="800"/>
             <a:t>root</a:t>
           </a:r>
-          <a:endParaRPr lang="ko-KR" altLang="en-US"/>
+          <a:endParaRPr lang="ko-KR" altLang="en-US" sz="800"/>
         </a:p>
       </dgm:t>
     </dgm:pt>
@@ -979,7 +979,7 @@
         <a:lstStyle/>
         <a:p>
           <a:pPr latinLnBrk="1"/>
-          <a:endParaRPr lang="ko-KR" altLang="en-US"/>
+          <a:endParaRPr lang="ko-KR" altLang="en-US" sz="800"/>
         </a:p>
       </dgm:t>
     </dgm:pt>
@@ -991,12 +991,12 @@
         <a:lstStyle/>
         <a:p>
           <a:pPr latinLnBrk="1"/>
-          <a:endParaRPr lang="ko-KR" altLang="en-US"/>
+          <a:endParaRPr lang="ko-KR" altLang="en-US" sz="800"/>
         </a:p>
       </dgm:t>
     </dgm:pt>
     <dgm:pt modelId="{0140C913-13FF-48D6-A65B-9EA285F635BA}">
-      <dgm:prSet phldrT="[텍스트]"/>
+      <dgm:prSet phldrT="[텍스트]" custT="1"/>
       <dgm:spPr/>
       <dgm:t>
         <a:bodyPr/>
@@ -1004,10 +1004,10 @@
         <a:p>
           <a:pPr latinLnBrk="1"/>
           <a:r>
-            <a:rPr lang="en-US" altLang="ko-KR"/>
+            <a:rPr lang="en-US" altLang="ko-KR" sz="800"/>
             <a:t>ccltt / 0</a:t>
           </a:r>
-          <a:endParaRPr lang="ko-KR" altLang="en-US"/>
+          <a:endParaRPr lang="ko-KR" altLang="en-US" sz="800"/>
         </a:p>
       </dgm:t>
     </dgm:pt>
@@ -1019,7 +1019,7 @@
         <a:lstStyle/>
         <a:p>
           <a:pPr latinLnBrk="1"/>
-          <a:endParaRPr lang="ko-KR" altLang="en-US"/>
+          <a:endParaRPr lang="ko-KR" altLang="en-US" sz="800"/>
         </a:p>
       </dgm:t>
     </dgm:pt>
@@ -1031,12 +1031,12 @@
         <a:lstStyle/>
         <a:p>
           <a:pPr latinLnBrk="1"/>
-          <a:endParaRPr lang="ko-KR" altLang="en-US"/>
+          <a:endParaRPr lang="ko-KR" altLang="en-US" sz="800"/>
         </a:p>
       </dgm:t>
     </dgm:pt>
     <dgm:pt modelId="{E8BEE0D5-A617-4FD8-ABF5-1998BB66CFD3}">
-      <dgm:prSet phldrT="[텍스트]"/>
+      <dgm:prSet phldrT="[텍스트]" custT="1"/>
       <dgm:spPr/>
       <dgm:t>
         <a:bodyPr/>
@@ -1044,10 +1044,10 @@
         <a:p>
           <a:pPr latinLnBrk="1"/>
           <a:r>
-            <a:rPr lang="en-US" altLang="ko-KR"/>
+            <a:rPr lang="en-US" altLang="ko-KR" sz="800"/>
             <a:t>Iso / 1</a:t>
           </a:r>
-          <a:endParaRPr lang="ko-KR" altLang="en-US"/>
+          <a:endParaRPr lang="ko-KR" altLang="en-US" sz="800"/>
         </a:p>
       </dgm:t>
     </dgm:pt>
@@ -1059,7 +1059,7 @@
         <a:lstStyle/>
         <a:p>
           <a:pPr latinLnBrk="1"/>
-          <a:endParaRPr lang="ko-KR" altLang="en-US"/>
+          <a:endParaRPr lang="ko-KR" altLang="en-US" sz="800"/>
         </a:p>
       </dgm:t>
     </dgm:pt>
@@ -1071,12 +1071,12 @@
         <a:lstStyle/>
         <a:p>
           <a:pPr latinLnBrk="1"/>
-          <a:endParaRPr lang="ko-KR" altLang="en-US"/>
+          <a:endParaRPr lang="ko-KR" altLang="en-US" sz="800"/>
         </a:p>
       </dgm:t>
     </dgm:pt>
     <dgm:pt modelId="{626D57E9-DF19-49A7-9BD9-B5FF01447DE9}">
-      <dgm:prSet phldrT="[텍스트]"/>
+      <dgm:prSet phldrT="[텍스트]" custT="1"/>
       <dgm:spPr/>
       <dgm:t>
         <a:bodyPr/>
@@ -1084,10 +1084,10 @@
         <a:p>
           <a:pPr latinLnBrk="1"/>
           <a:r>
-            <a:rPr lang="en-US" altLang="ko-KR"/>
+            <a:rPr lang="en-US" altLang="ko-KR" sz="800"/>
             <a:t>joint / 2</a:t>
           </a:r>
-          <a:endParaRPr lang="ko-KR" altLang="en-US"/>
+          <a:endParaRPr lang="ko-KR" altLang="en-US" sz="800"/>
         </a:p>
       </dgm:t>
     </dgm:pt>
@@ -1099,7 +1099,7 @@
         <a:lstStyle/>
         <a:p>
           <a:pPr latinLnBrk="1"/>
-          <a:endParaRPr lang="ko-KR" altLang="en-US"/>
+          <a:endParaRPr lang="ko-KR" altLang="en-US" sz="800"/>
         </a:p>
       </dgm:t>
     </dgm:pt>
@@ -1111,12 +1111,12 @@
         <a:lstStyle/>
         <a:p>
           <a:pPr latinLnBrk="1"/>
-          <a:endParaRPr lang="ko-KR" altLang="en-US"/>
+          <a:endParaRPr lang="ko-KR" altLang="en-US" sz="800"/>
         </a:p>
       </dgm:t>
     </dgm:pt>
     <dgm:pt modelId="{5EA6ACAB-DC7E-4813-89E7-93FCD5503413}">
-      <dgm:prSet phldrT="[텍스트]"/>
+      <dgm:prSet phldrT="[텍스트]" custT="1"/>
       <dgm:spPr/>
       <dgm:t>
         <a:bodyPr/>
@@ -1124,10 +1124,10 @@
         <a:p>
           <a:pPr latinLnBrk="1"/>
           <a:r>
-            <a:rPr lang="en-US" altLang="ko-KR"/>
+            <a:rPr lang="en-US" altLang="ko-KR" sz="800"/>
             <a:t>org / 3</a:t>
           </a:r>
-          <a:endParaRPr lang="ko-KR" altLang="en-US"/>
+          <a:endParaRPr lang="ko-KR" altLang="en-US" sz="800"/>
         </a:p>
       </dgm:t>
     </dgm:pt>
@@ -1139,7 +1139,7 @@
         <a:lstStyle/>
         <a:p>
           <a:pPr latinLnBrk="1"/>
-          <a:endParaRPr lang="ko-KR" altLang="en-US"/>
+          <a:endParaRPr lang="ko-KR" altLang="en-US" sz="800"/>
         </a:p>
       </dgm:t>
     </dgm:pt>
@@ -1151,12 +1151,12 @@
         <a:lstStyle/>
         <a:p>
           <a:pPr latinLnBrk="1"/>
-          <a:endParaRPr lang="ko-KR" altLang="en-US"/>
+          <a:endParaRPr lang="ko-KR" altLang="en-US" sz="800"/>
         </a:p>
       </dgm:t>
     </dgm:pt>
     <dgm:pt modelId="{ADC578C1-01A0-4C86-AA4A-34FB46576B61}">
-      <dgm:prSet phldrT="[텍스트]"/>
+      <dgm:prSet phldrT="[텍스트]" custT="1"/>
       <dgm:spPr/>
       <dgm:t>
         <a:bodyPr/>
@@ -1164,10 +1164,10 @@
         <a:p>
           <a:pPr latinLnBrk="1"/>
           <a:r>
-            <a:rPr lang="en-US" altLang="ko-KR"/>
+            <a:rPr lang="en-US" altLang="ko-KR" sz="800"/>
             <a:t>dod / 6</a:t>
           </a:r>
-          <a:endParaRPr lang="ko-KR" altLang="en-US"/>
+          <a:endParaRPr lang="ko-KR" altLang="en-US" sz="800"/>
         </a:p>
       </dgm:t>
     </dgm:pt>
@@ -1179,7 +1179,7 @@
         <a:lstStyle/>
         <a:p>
           <a:pPr latinLnBrk="1"/>
-          <a:endParaRPr lang="ko-KR" altLang="en-US"/>
+          <a:endParaRPr lang="ko-KR" altLang="en-US" sz="800"/>
         </a:p>
       </dgm:t>
     </dgm:pt>
@@ -1191,12 +1191,12 @@
         <a:lstStyle/>
         <a:p>
           <a:pPr latinLnBrk="1"/>
-          <a:endParaRPr lang="ko-KR" altLang="en-US"/>
+          <a:endParaRPr lang="ko-KR" altLang="en-US" sz="800"/>
         </a:p>
       </dgm:t>
     </dgm:pt>
     <dgm:pt modelId="{9738D085-A6A8-4496-8171-6AF9866AC806}">
-      <dgm:prSet phldrT="[텍스트]"/>
+      <dgm:prSet phldrT="[텍스트]" custT="1"/>
       <dgm:spPr/>
       <dgm:t>
         <a:bodyPr/>
@@ -1204,10 +1204,10 @@
         <a:p>
           <a:pPr latinLnBrk="1"/>
           <a:r>
-            <a:rPr lang="en-US" altLang="ko-KR"/>
+            <a:rPr lang="en-US" altLang="ko-KR" sz="800"/>
             <a:t>internal / 1</a:t>
           </a:r>
-          <a:endParaRPr lang="ko-KR" altLang="en-US"/>
+          <a:endParaRPr lang="ko-KR" altLang="en-US" sz="800"/>
         </a:p>
       </dgm:t>
     </dgm:pt>
@@ -1219,7 +1219,7 @@
         <a:lstStyle/>
         <a:p>
           <a:pPr latinLnBrk="1"/>
-          <a:endParaRPr lang="ko-KR" altLang="en-US"/>
+          <a:endParaRPr lang="ko-KR" altLang="en-US" sz="800"/>
         </a:p>
       </dgm:t>
     </dgm:pt>
@@ -1231,12 +1231,12 @@
         <a:lstStyle/>
         <a:p>
           <a:pPr latinLnBrk="1"/>
-          <a:endParaRPr lang="ko-KR" altLang="en-US"/>
+          <a:endParaRPr lang="ko-KR" altLang="en-US" sz="800"/>
         </a:p>
       </dgm:t>
     </dgm:pt>
     <dgm:pt modelId="{C2A2EF54-1EB9-49AE-AF5C-EF5CB2731BA9}">
-      <dgm:prSet phldrT="[텍스트]"/>
+      <dgm:prSet phldrT="[텍스트]" custT="1"/>
       <dgm:spPr/>
       <dgm:t>
         <a:bodyPr/>
@@ -1244,10 +1244,10 @@
         <a:p>
           <a:pPr latinLnBrk="1"/>
           <a:r>
-            <a:rPr lang="en-US" altLang="ko-KR"/>
+            <a:rPr lang="en-US" altLang="ko-KR" sz="800"/>
             <a:t>directory / 1</a:t>
           </a:r>
-          <a:endParaRPr lang="ko-KR" altLang="en-US"/>
+          <a:endParaRPr lang="ko-KR" altLang="en-US" sz="800"/>
         </a:p>
       </dgm:t>
     </dgm:pt>
@@ -1259,7 +1259,7 @@
         <a:lstStyle/>
         <a:p>
           <a:pPr latinLnBrk="1"/>
-          <a:endParaRPr lang="ko-KR" altLang="en-US"/>
+          <a:endParaRPr lang="ko-KR" altLang="en-US" sz="800"/>
         </a:p>
       </dgm:t>
     </dgm:pt>
@@ -1271,12 +1271,12 @@
         <a:lstStyle/>
         <a:p>
           <a:pPr latinLnBrk="1"/>
-          <a:endParaRPr lang="ko-KR" altLang="en-US"/>
+          <a:endParaRPr lang="ko-KR" altLang="en-US" sz="800"/>
         </a:p>
       </dgm:t>
     </dgm:pt>
     <dgm:pt modelId="{D91D1A4B-A4BE-4A5C-A294-E71B739F58B4}">
-      <dgm:prSet phldrT="[텍스트]"/>
+      <dgm:prSet phldrT="[텍스트]" custT="1"/>
       <dgm:spPr/>
       <dgm:t>
         <a:bodyPr/>
@@ -1284,10 +1284,10 @@
         <a:p>
           <a:pPr latinLnBrk="1"/>
           <a:r>
-            <a:rPr lang="en-US" altLang="ko-KR"/>
+            <a:rPr lang="en-US" altLang="ko-KR" sz="800"/>
             <a:t>mgmt / 2</a:t>
           </a:r>
-          <a:endParaRPr lang="ko-KR" altLang="en-US"/>
+          <a:endParaRPr lang="ko-KR" altLang="en-US" sz="800"/>
         </a:p>
       </dgm:t>
     </dgm:pt>
@@ -1299,7 +1299,7 @@
         <a:lstStyle/>
         <a:p>
           <a:pPr latinLnBrk="1"/>
-          <a:endParaRPr lang="ko-KR" altLang="en-US"/>
+          <a:endParaRPr lang="ko-KR" altLang="en-US" sz="800"/>
         </a:p>
       </dgm:t>
     </dgm:pt>
@@ -1311,12 +1311,12 @@
         <a:lstStyle/>
         <a:p>
           <a:pPr latinLnBrk="1"/>
-          <a:endParaRPr lang="ko-KR" altLang="en-US"/>
+          <a:endParaRPr lang="ko-KR" altLang="en-US" sz="800"/>
         </a:p>
       </dgm:t>
     </dgm:pt>
     <dgm:pt modelId="{A53B40EF-7717-49D7-B31F-8D73B7546B34}">
-      <dgm:prSet phldrT="[텍스트]"/>
+      <dgm:prSet phldrT="[텍스트]" custT="1"/>
       <dgm:spPr/>
       <dgm:t>
         <a:bodyPr/>
@@ -1324,10 +1324,10 @@
         <a:p>
           <a:pPr latinLnBrk="1"/>
           <a:r>
-            <a:rPr lang="en-US" altLang="ko-KR"/>
+            <a:rPr lang="en-US" altLang="ko-KR" sz="800"/>
             <a:t>experimental / 3</a:t>
           </a:r>
-          <a:endParaRPr lang="ko-KR" altLang="en-US"/>
+          <a:endParaRPr lang="ko-KR" altLang="en-US" sz="800"/>
         </a:p>
       </dgm:t>
     </dgm:pt>
@@ -1339,7 +1339,7 @@
         <a:lstStyle/>
         <a:p>
           <a:pPr latinLnBrk="1"/>
-          <a:endParaRPr lang="ko-KR" altLang="en-US"/>
+          <a:endParaRPr lang="ko-KR" altLang="en-US" sz="800"/>
         </a:p>
       </dgm:t>
     </dgm:pt>
@@ -1351,12 +1351,12 @@
         <a:lstStyle/>
         <a:p>
           <a:pPr latinLnBrk="1"/>
-          <a:endParaRPr lang="ko-KR" altLang="en-US"/>
+          <a:endParaRPr lang="ko-KR" altLang="en-US" sz="800"/>
         </a:p>
       </dgm:t>
     </dgm:pt>
     <dgm:pt modelId="{15C0FCF5-4099-4498-99CF-9C086A924BB5}">
-      <dgm:prSet phldrT="[텍스트]"/>
+      <dgm:prSet phldrT="[텍스트]" custT="1"/>
       <dgm:spPr/>
       <dgm:t>
         <a:bodyPr/>
@@ -1364,10 +1364,10 @@
         <a:p>
           <a:pPr latinLnBrk="1"/>
           <a:r>
-            <a:rPr lang="en-US" altLang="ko-KR"/>
-            <a:t>Private / 4</a:t>
+            <a:rPr lang="en-US" altLang="ko-KR" sz="800"/>
+            <a:t>private / 4</a:t>
           </a:r>
-          <a:endParaRPr lang="ko-KR" altLang="en-US"/>
+          <a:endParaRPr lang="ko-KR" altLang="en-US" sz="800"/>
         </a:p>
       </dgm:t>
     </dgm:pt>
@@ -1379,7 +1379,7 @@
         <a:lstStyle/>
         <a:p>
           <a:pPr latinLnBrk="1"/>
-          <a:endParaRPr lang="ko-KR" altLang="en-US"/>
+          <a:endParaRPr lang="ko-KR" altLang="en-US" sz="800"/>
         </a:p>
       </dgm:t>
     </dgm:pt>
@@ -1391,7 +1391,327 @@
         <a:lstStyle/>
         <a:p>
           <a:pPr latinLnBrk="1"/>
-          <a:endParaRPr lang="ko-KR" altLang="en-US"/>
+          <a:endParaRPr lang="ko-KR" altLang="en-US" sz="800"/>
+        </a:p>
+      </dgm:t>
+    </dgm:pt>
+    <dgm:pt modelId="{7C223780-CA93-4A94-AC72-FFE27927E5C8}">
+      <dgm:prSet phldrT="[텍스트]" custT="1"/>
+      <dgm:spPr/>
+      <dgm:t>
+        <a:bodyPr/>
+        <a:lstStyle/>
+        <a:p>
+          <a:pPr latinLnBrk="1"/>
+          <a:r>
+            <a:rPr lang="en-US" altLang="ko-KR" sz="800"/>
+            <a:t>mib-2 / 1</a:t>
+          </a:r>
+          <a:endParaRPr lang="ko-KR" altLang="en-US" sz="800"/>
+        </a:p>
+      </dgm:t>
+    </dgm:pt>
+    <dgm:pt modelId="{D0B01A0F-37D3-46CD-991D-0A84F9421E7F}" type="parTrans" cxnId="{2D685061-D17D-40AC-87A6-92B601FF1ACC}">
+      <dgm:prSet/>
+      <dgm:spPr/>
+      <dgm:t>
+        <a:bodyPr/>
+        <a:lstStyle/>
+        <a:p>
+          <a:pPr latinLnBrk="1"/>
+          <a:endParaRPr lang="ko-KR" altLang="en-US" sz="800"/>
+        </a:p>
+      </dgm:t>
+    </dgm:pt>
+    <dgm:pt modelId="{EEFD43BF-DFB8-4781-9458-149A2B2C037D}" type="sibTrans" cxnId="{2D685061-D17D-40AC-87A6-92B601FF1ACC}">
+      <dgm:prSet/>
+      <dgm:spPr/>
+      <dgm:t>
+        <a:bodyPr/>
+        <a:lstStyle/>
+        <a:p>
+          <a:pPr latinLnBrk="1"/>
+          <a:endParaRPr lang="ko-KR" altLang="en-US" sz="800"/>
+        </a:p>
+      </dgm:t>
+    </dgm:pt>
+    <dgm:pt modelId="{9A09909E-EF1A-45C7-B23D-90AB5636C04C}">
+      <dgm:prSet phldrT="[텍스트]" custT="1"/>
+      <dgm:spPr/>
+      <dgm:t>
+        <a:bodyPr/>
+        <a:lstStyle/>
+        <a:p>
+          <a:pPr latinLnBrk="1"/>
+          <a:r>
+            <a:rPr lang="en-US" altLang="ko-KR" sz="800"/>
+            <a:t>system / 1</a:t>
+          </a:r>
+          <a:endParaRPr lang="ko-KR" altLang="en-US" sz="800"/>
+        </a:p>
+      </dgm:t>
+    </dgm:pt>
+    <dgm:pt modelId="{A08B0ED6-8C5C-4477-839E-BA5F06974C77}" type="parTrans" cxnId="{50F9093B-F6C4-4B89-B19F-CEE24314DE7D}">
+      <dgm:prSet/>
+      <dgm:spPr/>
+      <dgm:t>
+        <a:bodyPr/>
+        <a:lstStyle/>
+        <a:p>
+          <a:pPr latinLnBrk="1"/>
+          <a:endParaRPr lang="ko-KR" altLang="en-US" sz="800"/>
+        </a:p>
+      </dgm:t>
+    </dgm:pt>
+    <dgm:pt modelId="{683D979D-470B-4515-ADD0-40B5B16436D3}" type="sibTrans" cxnId="{50F9093B-F6C4-4B89-B19F-CEE24314DE7D}">
+      <dgm:prSet/>
+      <dgm:spPr/>
+      <dgm:t>
+        <a:bodyPr/>
+        <a:lstStyle/>
+        <a:p>
+          <a:pPr latinLnBrk="1"/>
+          <a:endParaRPr lang="ko-KR" altLang="en-US" sz="800"/>
+        </a:p>
+      </dgm:t>
+    </dgm:pt>
+    <dgm:pt modelId="{0DEFDF84-49C8-4F36-B034-0A5CC7B0EE03}">
+      <dgm:prSet phldrT="[텍스트]" custT="1"/>
+      <dgm:spPr/>
+      <dgm:t>
+        <a:bodyPr/>
+        <a:lstStyle/>
+        <a:p>
+          <a:pPr latinLnBrk="1"/>
+          <a:r>
+            <a:rPr lang="en-US" altLang="ko-KR" sz="800"/>
+            <a:t>interface / 2</a:t>
+          </a:r>
+          <a:endParaRPr lang="ko-KR" altLang="en-US" sz="800"/>
+        </a:p>
+      </dgm:t>
+    </dgm:pt>
+    <dgm:pt modelId="{85331CCC-1B59-4FA4-BCAD-5FAD9DCFFF2E}" type="parTrans" cxnId="{89760502-42AF-4619-9577-495253FFAA8C}">
+      <dgm:prSet/>
+      <dgm:spPr/>
+      <dgm:t>
+        <a:bodyPr/>
+        <a:lstStyle/>
+        <a:p>
+          <a:pPr latinLnBrk="1"/>
+          <a:endParaRPr lang="ko-KR" altLang="en-US" sz="800"/>
+        </a:p>
+      </dgm:t>
+    </dgm:pt>
+    <dgm:pt modelId="{70A1A6EE-5851-4C58-AC2A-FE0E9962F416}" type="sibTrans" cxnId="{89760502-42AF-4619-9577-495253FFAA8C}">
+      <dgm:prSet/>
+      <dgm:spPr/>
+      <dgm:t>
+        <a:bodyPr/>
+        <a:lstStyle/>
+        <a:p>
+          <a:pPr latinLnBrk="1"/>
+          <a:endParaRPr lang="ko-KR" altLang="en-US" sz="800"/>
+        </a:p>
+      </dgm:t>
+    </dgm:pt>
+    <dgm:pt modelId="{40D8757E-88D2-40B0-8937-7C3C72043EEA}">
+      <dgm:prSet phldrT="[텍스트]" custT="1"/>
+      <dgm:spPr/>
+      <dgm:t>
+        <a:bodyPr/>
+        <a:lstStyle/>
+        <a:p>
+          <a:pPr latinLnBrk="1"/>
+          <a:r>
+            <a:rPr lang="en-US" altLang="ko-KR" sz="800"/>
+            <a:t>ip / 4</a:t>
+          </a:r>
+          <a:endParaRPr lang="ko-KR" altLang="en-US" sz="800"/>
+        </a:p>
+      </dgm:t>
+    </dgm:pt>
+    <dgm:pt modelId="{408DC874-7C93-41F9-8114-585F456BD1B7}" type="parTrans" cxnId="{30F407F4-27DE-4D04-A216-5CA2684C89DB}">
+      <dgm:prSet/>
+      <dgm:spPr/>
+      <dgm:t>
+        <a:bodyPr/>
+        <a:lstStyle/>
+        <a:p>
+          <a:pPr latinLnBrk="1"/>
+          <a:endParaRPr lang="ko-KR" altLang="en-US" sz="800"/>
+        </a:p>
+      </dgm:t>
+    </dgm:pt>
+    <dgm:pt modelId="{B8CDE1AB-7325-4AEB-8197-294974F41195}" type="sibTrans" cxnId="{30F407F4-27DE-4D04-A216-5CA2684C89DB}">
+      <dgm:prSet/>
+      <dgm:spPr/>
+      <dgm:t>
+        <a:bodyPr/>
+        <a:lstStyle/>
+        <a:p>
+          <a:pPr latinLnBrk="1"/>
+          <a:endParaRPr lang="ko-KR" altLang="en-US" sz="800"/>
+        </a:p>
+      </dgm:t>
+    </dgm:pt>
+    <dgm:pt modelId="{72422F0A-0D1F-47E1-99DD-467AABC000DD}">
+      <dgm:prSet phldrT="[텍스트]" custT="1"/>
+      <dgm:spPr/>
+      <dgm:t>
+        <a:bodyPr/>
+        <a:lstStyle/>
+        <a:p>
+          <a:pPr latinLnBrk="1"/>
+          <a:r>
+            <a:rPr lang="en-US" altLang="ko-KR" sz="800"/>
+            <a:t>icmp / 5</a:t>
+          </a:r>
+          <a:endParaRPr lang="ko-KR" altLang="en-US" sz="800"/>
+        </a:p>
+      </dgm:t>
+    </dgm:pt>
+    <dgm:pt modelId="{2FA7094D-DFF4-4892-8FF7-F2D61F718BD5}" type="parTrans" cxnId="{002A3778-4108-49DA-B356-14183B30AC11}">
+      <dgm:prSet/>
+      <dgm:spPr/>
+      <dgm:t>
+        <a:bodyPr/>
+        <a:lstStyle/>
+        <a:p>
+          <a:pPr latinLnBrk="1"/>
+          <a:endParaRPr lang="ko-KR" altLang="en-US" sz="800"/>
+        </a:p>
+      </dgm:t>
+    </dgm:pt>
+    <dgm:pt modelId="{B5662629-D562-49C0-AE58-734306D1AF67}" type="sibTrans" cxnId="{002A3778-4108-49DA-B356-14183B30AC11}">
+      <dgm:prSet/>
+      <dgm:spPr/>
+      <dgm:t>
+        <a:bodyPr/>
+        <a:lstStyle/>
+        <a:p>
+          <a:pPr latinLnBrk="1"/>
+          <a:endParaRPr lang="ko-KR" altLang="en-US" sz="800"/>
+        </a:p>
+      </dgm:t>
+    </dgm:pt>
+    <dgm:pt modelId="{268950B9-2953-4C04-8156-A14D9DDC3266}">
+      <dgm:prSet phldrT="[텍스트]" custT="1"/>
+      <dgm:spPr/>
+      <dgm:t>
+        <a:bodyPr/>
+        <a:lstStyle/>
+        <a:p>
+          <a:pPr latinLnBrk="1"/>
+          <a:r>
+            <a:rPr lang="en-US" altLang="ko-KR" sz="800"/>
+            <a:t>tcp / 6</a:t>
+          </a:r>
+          <a:endParaRPr lang="ko-KR" altLang="en-US" sz="800"/>
+        </a:p>
+      </dgm:t>
+    </dgm:pt>
+    <dgm:pt modelId="{9D0F3154-C4EB-4F93-9ED7-178942519778}" type="parTrans" cxnId="{95F8379B-6D28-4A4C-8D32-2707936B0C05}">
+      <dgm:prSet/>
+      <dgm:spPr/>
+      <dgm:t>
+        <a:bodyPr/>
+        <a:lstStyle/>
+        <a:p>
+          <a:pPr latinLnBrk="1"/>
+          <a:endParaRPr lang="ko-KR" altLang="en-US" sz="800"/>
+        </a:p>
+      </dgm:t>
+    </dgm:pt>
+    <dgm:pt modelId="{8ABDACE4-363E-4E6A-8BDF-559CCF0F57A5}" type="sibTrans" cxnId="{95F8379B-6D28-4A4C-8D32-2707936B0C05}">
+      <dgm:prSet/>
+      <dgm:spPr/>
+      <dgm:t>
+        <a:bodyPr/>
+        <a:lstStyle/>
+        <a:p>
+          <a:pPr latinLnBrk="1"/>
+          <a:endParaRPr lang="ko-KR" altLang="en-US" sz="800"/>
+        </a:p>
+      </dgm:t>
+    </dgm:pt>
+    <dgm:pt modelId="{F65FFC30-4883-49F8-8C23-104F6EC8BFA1}">
+      <dgm:prSet phldrT="[텍스트]" custT="1"/>
+      <dgm:spPr/>
+      <dgm:t>
+        <a:bodyPr/>
+        <a:lstStyle/>
+        <a:p>
+          <a:pPr latinLnBrk="1"/>
+          <a:r>
+            <a:rPr lang="en-US" altLang="ko-KR" sz="800"/>
+            <a:t>udp / 7</a:t>
+          </a:r>
+          <a:endParaRPr lang="ko-KR" altLang="en-US" sz="800"/>
+        </a:p>
+      </dgm:t>
+    </dgm:pt>
+    <dgm:pt modelId="{4B5D6205-785C-43A2-8FFA-6B2D81A0E525}" type="parTrans" cxnId="{138EC6B2-EB77-4DC4-929E-609F8BB98B9C}">
+      <dgm:prSet/>
+      <dgm:spPr/>
+      <dgm:t>
+        <a:bodyPr/>
+        <a:lstStyle/>
+        <a:p>
+          <a:pPr latinLnBrk="1"/>
+          <a:endParaRPr lang="ko-KR" altLang="en-US" sz="800"/>
+        </a:p>
+      </dgm:t>
+    </dgm:pt>
+    <dgm:pt modelId="{84F43197-0E4C-493F-B571-DE900B825F53}" type="sibTrans" cxnId="{138EC6B2-EB77-4DC4-929E-609F8BB98B9C}">
+      <dgm:prSet/>
+      <dgm:spPr/>
+      <dgm:t>
+        <a:bodyPr/>
+        <a:lstStyle/>
+        <a:p>
+          <a:pPr latinLnBrk="1"/>
+          <a:endParaRPr lang="ko-KR" altLang="en-US" sz="800"/>
+        </a:p>
+      </dgm:t>
+    </dgm:pt>
+    <dgm:pt modelId="{6738B9E2-451A-43B2-826B-D63D93E6373D}">
+      <dgm:prSet phldrT="[텍스트]" custT="1"/>
+      <dgm:spPr/>
+      <dgm:t>
+        <a:bodyPr/>
+        <a:lstStyle/>
+        <a:p>
+          <a:pPr latinLnBrk="1"/>
+          <a:r>
+            <a:rPr lang="en-US" altLang="ko-KR" sz="800"/>
+            <a:t>snmp / 11</a:t>
+          </a:r>
+          <a:endParaRPr lang="ko-KR" altLang="en-US" sz="800"/>
+        </a:p>
+      </dgm:t>
+    </dgm:pt>
+    <dgm:pt modelId="{4C1D877B-027E-430E-BFED-02497179FFCE}" type="parTrans" cxnId="{F05D1B30-18AA-4B5D-8F7F-3843DB3FEB3C}">
+      <dgm:prSet/>
+      <dgm:spPr/>
+      <dgm:t>
+        <a:bodyPr/>
+        <a:lstStyle/>
+        <a:p>
+          <a:pPr latinLnBrk="1"/>
+          <a:endParaRPr lang="ko-KR" altLang="en-US" sz="800"/>
+        </a:p>
+      </dgm:t>
+    </dgm:pt>
+    <dgm:pt modelId="{DDA56055-5AA8-4E94-B155-A444AE686ABD}" type="sibTrans" cxnId="{F05D1B30-18AA-4B5D-8F7F-3843DB3FEB3C}">
+      <dgm:prSet/>
+      <dgm:spPr/>
+      <dgm:t>
+        <a:bodyPr/>
+        <a:lstStyle/>
+        <a:p>
+          <a:pPr latinLnBrk="1"/>
+          <a:endParaRPr lang="ko-KR" altLang="en-US" sz="800"/>
         </a:p>
       </dgm:t>
     </dgm:pt>
@@ -1426,7 +1746,7 @@
       <dgm:spPr/>
     </dgm:pt>
     <dgm:pt modelId="{40797EF6-7BD3-41CC-AA9B-4184F809966A}" type="pres">
-      <dgm:prSet presAssocID="{CD7E7D3A-44A6-49AC-BB64-84A8E85CAB0D}" presName="level1Shape" presStyleLbl="node0" presStyleIdx="0" presStyleCnt="1" custScaleY="34134">
+      <dgm:prSet presAssocID="{CD7E7D3A-44A6-49AC-BB64-84A8E85CAB0D}" presName="level1Shape" presStyleLbl="node0" presStyleIdx="0" presStyleCnt="1" custScaleY="36278">
         <dgm:presLayoutVars>
           <dgm:chPref val="3"/>
         </dgm:presLayoutVars>
@@ -1478,7 +1798,7 @@
       <dgm:spPr/>
     </dgm:pt>
     <dgm:pt modelId="{77F64DF7-F46B-43B5-B8A3-A0168073FF31}" type="pres">
-      <dgm:prSet presAssocID="{5EA6ACAB-DC7E-4813-89E7-93FCD5503413}" presName="level2Shape" presStyleLbl="node3" presStyleIdx="0" presStyleCnt="1" custScaleY="34134"/>
+      <dgm:prSet presAssocID="{5EA6ACAB-DC7E-4813-89E7-93FCD5503413}" presName="level2Shape" presStyleLbl="node3" presStyleIdx="0" presStyleCnt="1" custScaleY="34134" custLinFactNeighborY="-6117"/>
       <dgm:spPr/>
     </dgm:pt>
     <dgm:pt modelId="{3A41CD01-ABF6-46C5-8225-8609DD0A362B}" type="pres">
@@ -1486,7 +1806,7 @@
       <dgm:spPr/>
     </dgm:pt>
     <dgm:pt modelId="{7227E5A7-36E5-4E5B-800C-9503A76B6EE3}" type="pres">
-      <dgm:prSet presAssocID="{20BA57D4-3376-49E0-AA8B-1A997BF955DE}" presName="Name19" presStyleLbl="parChTrans1D4" presStyleIdx="0" presStyleCnt="6"/>
+      <dgm:prSet presAssocID="{20BA57D4-3376-49E0-AA8B-1A997BF955DE}" presName="Name19" presStyleLbl="parChTrans1D4" presStyleIdx="0" presStyleCnt="14"/>
       <dgm:spPr/>
     </dgm:pt>
     <dgm:pt modelId="{036F801F-737F-4A55-918A-C2E2858DA3AD}" type="pres">
@@ -1494,7 +1814,7 @@
       <dgm:spPr/>
     </dgm:pt>
     <dgm:pt modelId="{65F81CE2-9E14-4FF9-824E-4E4C5FEAD7FE}" type="pres">
-      <dgm:prSet presAssocID="{ADC578C1-01A0-4C86-AA4A-34FB46576B61}" presName="level2Shape" presStyleLbl="node4" presStyleIdx="0" presStyleCnt="6" custScaleY="34134"/>
+      <dgm:prSet presAssocID="{ADC578C1-01A0-4C86-AA4A-34FB46576B61}" presName="level2Shape" presStyleLbl="node4" presStyleIdx="0" presStyleCnt="14" custScaleY="34134" custLinFactNeighborY="-7136"/>
       <dgm:spPr/>
     </dgm:pt>
     <dgm:pt modelId="{CD8642B6-B238-4C88-8301-03165C4D0CED}" type="pres">
@@ -1502,7 +1822,7 @@
       <dgm:spPr/>
     </dgm:pt>
     <dgm:pt modelId="{86006B4C-7AE8-4A4A-98EC-1CD273487155}" type="pres">
-      <dgm:prSet presAssocID="{6408699B-F42B-4F13-9F30-8609682BC367}" presName="Name19" presStyleLbl="parChTrans1D4" presStyleIdx="1" presStyleCnt="6"/>
+      <dgm:prSet presAssocID="{6408699B-F42B-4F13-9F30-8609682BC367}" presName="Name19" presStyleLbl="parChTrans1D4" presStyleIdx="1" presStyleCnt="14"/>
       <dgm:spPr/>
     </dgm:pt>
     <dgm:pt modelId="{9532CFF0-AA63-41BA-B4BD-DBAAD7CF4F78}" type="pres">
@@ -1510,7 +1830,7 @@
       <dgm:spPr/>
     </dgm:pt>
     <dgm:pt modelId="{521D6B14-56E6-4064-9558-4C89F31455F7}" type="pres">
-      <dgm:prSet presAssocID="{9738D085-A6A8-4496-8171-6AF9866AC806}" presName="level2Shape" presStyleLbl="node4" presStyleIdx="1" presStyleCnt="6" custScaleY="34134"/>
+      <dgm:prSet presAssocID="{9738D085-A6A8-4496-8171-6AF9866AC806}" presName="level2Shape" presStyleLbl="node4" presStyleIdx="1" presStyleCnt="14" custScaleY="34134" custLinFactNeighborY="-10898"/>
       <dgm:spPr/>
     </dgm:pt>
     <dgm:pt modelId="{A639A3E3-4C6F-4B09-9761-54F9D6833DB4}" type="pres">
@@ -1518,7 +1838,7 @@
       <dgm:spPr/>
     </dgm:pt>
     <dgm:pt modelId="{299643E4-C9BA-49B9-BB68-1D51F645D4FA}" type="pres">
-      <dgm:prSet presAssocID="{32623915-F41E-45B9-A7A8-B727E91245F8}" presName="Name19" presStyleLbl="parChTrans1D4" presStyleIdx="2" presStyleCnt="6"/>
+      <dgm:prSet presAssocID="{32623915-F41E-45B9-A7A8-B727E91245F8}" presName="Name19" presStyleLbl="parChTrans1D4" presStyleIdx="2" presStyleCnt="14"/>
       <dgm:spPr/>
     </dgm:pt>
     <dgm:pt modelId="{A05DBCC6-D8DD-4822-B7F0-6693EC30D01F}" type="pres">
@@ -1526,7 +1846,7 @@
       <dgm:spPr/>
     </dgm:pt>
     <dgm:pt modelId="{EEA9A3B3-C61F-4751-B6B3-1CF318DB1319}" type="pres">
-      <dgm:prSet presAssocID="{C2A2EF54-1EB9-49AE-AF5C-EF5CB2731BA9}" presName="level2Shape" presStyleLbl="node4" presStyleIdx="2" presStyleCnt="6" custScaleY="34134"/>
+      <dgm:prSet presAssocID="{C2A2EF54-1EB9-49AE-AF5C-EF5CB2731BA9}" presName="level2Shape" presStyleLbl="node4" presStyleIdx="2" presStyleCnt="14" custScaleY="34134"/>
       <dgm:spPr/>
     </dgm:pt>
     <dgm:pt modelId="{514799EB-AE4E-4DBF-AFA6-A514CFC502AA}" type="pres">
@@ -1534,7 +1854,7 @@
       <dgm:spPr/>
     </dgm:pt>
     <dgm:pt modelId="{63C0A1EC-A5C6-4E6D-8D2C-E576274BB8A2}" type="pres">
-      <dgm:prSet presAssocID="{4BAC4585-31A9-454D-99B0-4941B51EBD2A}" presName="Name19" presStyleLbl="parChTrans1D4" presStyleIdx="3" presStyleCnt="6"/>
+      <dgm:prSet presAssocID="{4BAC4585-31A9-454D-99B0-4941B51EBD2A}" presName="Name19" presStyleLbl="parChTrans1D4" presStyleIdx="3" presStyleCnt="14"/>
       <dgm:spPr/>
     </dgm:pt>
     <dgm:pt modelId="{95D51ACB-A162-4A7A-A38C-EA92C62CE078}" type="pres">
@@ -1542,15 +1862,143 @@
       <dgm:spPr/>
     </dgm:pt>
     <dgm:pt modelId="{BED5E154-7204-450B-ADEF-29959BE0D87D}" type="pres">
-      <dgm:prSet presAssocID="{D91D1A4B-A4BE-4A5C-A294-E71B739F58B4}" presName="level2Shape" presStyleLbl="node4" presStyleIdx="3" presStyleCnt="6" custScaleY="34134"/>
+      <dgm:prSet presAssocID="{D91D1A4B-A4BE-4A5C-A294-E71B739F58B4}" presName="level2Shape" presStyleLbl="node4" presStyleIdx="3" presStyleCnt="14" custScaleY="34134"/>
       <dgm:spPr/>
     </dgm:pt>
     <dgm:pt modelId="{3FCA8D25-D023-4096-9E8C-C27B38724B45}" type="pres">
       <dgm:prSet presAssocID="{D91D1A4B-A4BE-4A5C-A294-E71B739F58B4}" presName="hierChild3" presStyleCnt="0"/>
       <dgm:spPr/>
     </dgm:pt>
+    <dgm:pt modelId="{9CECD2E2-0655-458F-ADB1-A65A5CA974E0}" type="pres">
+      <dgm:prSet presAssocID="{D0B01A0F-37D3-46CD-991D-0A84F9421E7F}" presName="Name19" presStyleLbl="parChTrans1D4" presStyleIdx="4" presStyleCnt="14"/>
+      <dgm:spPr/>
+    </dgm:pt>
+    <dgm:pt modelId="{620F43C9-A461-41BC-A2F2-28B4EAE612F8}" type="pres">
+      <dgm:prSet presAssocID="{7C223780-CA93-4A94-AC72-FFE27927E5C8}" presName="Name21" presStyleCnt="0"/>
+      <dgm:spPr/>
+    </dgm:pt>
+    <dgm:pt modelId="{EDBBC500-2690-4E55-B4DD-AE467F2DF6C0}" type="pres">
+      <dgm:prSet presAssocID="{7C223780-CA93-4A94-AC72-FFE27927E5C8}" presName="level2Shape" presStyleLbl="node4" presStyleIdx="4" presStyleCnt="14" custScaleY="35046"/>
+      <dgm:spPr/>
+    </dgm:pt>
+    <dgm:pt modelId="{CEF888C0-414E-484E-B604-21B1B7FD893D}" type="pres">
+      <dgm:prSet presAssocID="{7C223780-CA93-4A94-AC72-FFE27927E5C8}" presName="hierChild3" presStyleCnt="0"/>
+      <dgm:spPr/>
+    </dgm:pt>
+    <dgm:pt modelId="{2692B92D-12DC-4C3D-A916-1D3219A0CF6D}" type="pres">
+      <dgm:prSet presAssocID="{A08B0ED6-8C5C-4477-839E-BA5F06974C77}" presName="Name19" presStyleLbl="parChTrans1D4" presStyleIdx="5" presStyleCnt="14"/>
+      <dgm:spPr/>
+    </dgm:pt>
+    <dgm:pt modelId="{42ADB88F-E348-4661-A247-55E554BF968D}" type="pres">
+      <dgm:prSet presAssocID="{9A09909E-EF1A-45C7-B23D-90AB5636C04C}" presName="Name21" presStyleCnt="0"/>
+      <dgm:spPr/>
+    </dgm:pt>
+    <dgm:pt modelId="{CA095205-6383-45E8-8B9D-43040AA35754}" type="pres">
+      <dgm:prSet presAssocID="{9A09909E-EF1A-45C7-B23D-90AB5636C04C}" presName="level2Shape" presStyleLbl="node4" presStyleIdx="5" presStyleCnt="14" custScaleY="35046"/>
+      <dgm:spPr/>
+    </dgm:pt>
+    <dgm:pt modelId="{0EA32513-3D52-45AC-AE72-0274AC4F4A90}" type="pres">
+      <dgm:prSet presAssocID="{9A09909E-EF1A-45C7-B23D-90AB5636C04C}" presName="hierChild3" presStyleCnt="0"/>
+      <dgm:spPr/>
+    </dgm:pt>
+    <dgm:pt modelId="{FEF7A9F7-DC19-40CA-B67A-D54E2BA7886A}" type="pres">
+      <dgm:prSet presAssocID="{85331CCC-1B59-4FA4-BCAD-5FAD9DCFFF2E}" presName="Name19" presStyleLbl="parChTrans1D4" presStyleIdx="6" presStyleCnt="14"/>
+      <dgm:spPr/>
+    </dgm:pt>
+    <dgm:pt modelId="{1E9DCEB2-5937-4B5C-A8EA-22B1CC353A2F}" type="pres">
+      <dgm:prSet presAssocID="{0DEFDF84-49C8-4F36-B034-0A5CC7B0EE03}" presName="Name21" presStyleCnt="0"/>
+      <dgm:spPr/>
+    </dgm:pt>
+    <dgm:pt modelId="{919B05FB-C40E-4614-A2CE-59CD8D798943}" type="pres">
+      <dgm:prSet presAssocID="{0DEFDF84-49C8-4F36-B034-0A5CC7B0EE03}" presName="level2Shape" presStyleLbl="node4" presStyleIdx="6" presStyleCnt="14" custScaleY="35046"/>
+      <dgm:spPr/>
+    </dgm:pt>
+    <dgm:pt modelId="{0D3A66CC-836B-4896-A994-71530BB9A763}" type="pres">
+      <dgm:prSet presAssocID="{0DEFDF84-49C8-4F36-B034-0A5CC7B0EE03}" presName="hierChild3" presStyleCnt="0"/>
+      <dgm:spPr/>
+    </dgm:pt>
+    <dgm:pt modelId="{24CF8BBD-5D7D-4E3B-8EFB-A587ED5C4273}" type="pres">
+      <dgm:prSet presAssocID="{408DC874-7C93-41F9-8114-585F456BD1B7}" presName="Name19" presStyleLbl="parChTrans1D4" presStyleIdx="7" presStyleCnt="14"/>
+      <dgm:spPr/>
+    </dgm:pt>
+    <dgm:pt modelId="{35F17009-4313-4E88-B6E4-651117F7455B}" type="pres">
+      <dgm:prSet presAssocID="{40D8757E-88D2-40B0-8937-7C3C72043EEA}" presName="Name21" presStyleCnt="0"/>
+      <dgm:spPr/>
+    </dgm:pt>
+    <dgm:pt modelId="{AD2698FD-EBE0-43B7-99B6-584D61FC3D09}" type="pres">
+      <dgm:prSet presAssocID="{40D8757E-88D2-40B0-8937-7C3C72043EEA}" presName="level2Shape" presStyleLbl="node4" presStyleIdx="7" presStyleCnt="14" custScaleY="35046"/>
+      <dgm:spPr/>
+    </dgm:pt>
+    <dgm:pt modelId="{A2D0DB85-4209-40CE-84A8-9DAF5AD8686C}" type="pres">
+      <dgm:prSet presAssocID="{40D8757E-88D2-40B0-8937-7C3C72043EEA}" presName="hierChild3" presStyleCnt="0"/>
+      <dgm:spPr/>
+    </dgm:pt>
+    <dgm:pt modelId="{5DE8BF0E-EDED-4C28-8336-A27CDB084B89}" type="pres">
+      <dgm:prSet presAssocID="{2FA7094D-DFF4-4892-8FF7-F2D61F718BD5}" presName="Name19" presStyleLbl="parChTrans1D4" presStyleIdx="8" presStyleCnt="14"/>
+      <dgm:spPr/>
+    </dgm:pt>
+    <dgm:pt modelId="{DFF6A458-E349-43C1-AF6B-10335A1E8501}" type="pres">
+      <dgm:prSet presAssocID="{72422F0A-0D1F-47E1-99DD-467AABC000DD}" presName="Name21" presStyleCnt="0"/>
+      <dgm:spPr/>
+    </dgm:pt>
+    <dgm:pt modelId="{8D3FAF42-26F0-4601-A123-0E53872F5513}" type="pres">
+      <dgm:prSet presAssocID="{72422F0A-0D1F-47E1-99DD-467AABC000DD}" presName="level2Shape" presStyleLbl="node4" presStyleIdx="8" presStyleCnt="14" custScaleY="37274"/>
+      <dgm:spPr/>
+    </dgm:pt>
+    <dgm:pt modelId="{61CD1B31-0DDC-406B-8C09-7790CF42842D}" type="pres">
+      <dgm:prSet presAssocID="{72422F0A-0D1F-47E1-99DD-467AABC000DD}" presName="hierChild3" presStyleCnt="0"/>
+      <dgm:spPr/>
+    </dgm:pt>
+    <dgm:pt modelId="{43C1020C-A9E8-4426-8E99-4AAABC0E96B6}" type="pres">
+      <dgm:prSet presAssocID="{9D0F3154-C4EB-4F93-9ED7-178942519778}" presName="Name19" presStyleLbl="parChTrans1D4" presStyleIdx="9" presStyleCnt="14"/>
+      <dgm:spPr/>
+    </dgm:pt>
+    <dgm:pt modelId="{9E0FB092-4F52-42ED-A6B6-B83D20B7C6BD}" type="pres">
+      <dgm:prSet presAssocID="{268950B9-2953-4C04-8156-A14D9DDC3266}" presName="Name21" presStyleCnt="0"/>
+      <dgm:spPr/>
+    </dgm:pt>
+    <dgm:pt modelId="{72996B35-7DAD-4224-9C44-59CB04FFEA25}" type="pres">
+      <dgm:prSet presAssocID="{268950B9-2953-4C04-8156-A14D9DDC3266}" presName="level2Shape" presStyleLbl="node4" presStyleIdx="9" presStyleCnt="14" custScaleY="37274"/>
+      <dgm:spPr/>
+    </dgm:pt>
+    <dgm:pt modelId="{9BFB6C5C-17D2-40AF-9652-3996C8DE52CF}" type="pres">
+      <dgm:prSet presAssocID="{268950B9-2953-4C04-8156-A14D9DDC3266}" presName="hierChild3" presStyleCnt="0"/>
+      <dgm:spPr/>
+    </dgm:pt>
+    <dgm:pt modelId="{9C5D66B2-C1D4-462B-816D-AADCC902DD3D}" type="pres">
+      <dgm:prSet presAssocID="{4B5D6205-785C-43A2-8FFA-6B2D81A0E525}" presName="Name19" presStyleLbl="parChTrans1D4" presStyleIdx="10" presStyleCnt="14"/>
+      <dgm:spPr/>
+    </dgm:pt>
+    <dgm:pt modelId="{0F4812A0-EA90-4E51-9B8A-1ACA14C01243}" type="pres">
+      <dgm:prSet presAssocID="{F65FFC30-4883-49F8-8C23-104F6EC8BFA1}" presName="Name21" presStyleCnt="0"/>
+      <dgm:spPr/>
+    </dgm:pt>
+    <dgm:pt modelId="{D2D4C4B1-B619-457E-B262-F2684A3498AD}" type="pres">
+      <dgm:prSet presAssocID="{F65FFC30-4883-49F8-8C23-104F6EC8BFA1}" presName="level2Shape" presStyleLbl="node4" presStyleIdx="10" presStyleCnt="14" custScaleY="37274"/>
+      <dgm:spPr/>
+    </dgm:pt>
+    <dgm:pt modelId="{1F07773D-3685-45F3-8A68-CA3FB7B3A4AC}" type="pres">
+      <dgm:prSet presAssocID="{F65FFC30-4883-49F8-8C23-104F6EC8BFA1}" presName="hierChild3" presStyleCnt="0"/>
+      <dgm:spPr/>
+    </dgm:pt>
+    <dgm:pt modelId="{8F67CA8E-CB83-4EFF-A17E-1D2514CAF192}" type="pres">
+      <dgm:prSet presAssocID="{4C1D877B-027E-430E-BFED-02497179FFCE}" presName="Name19" presStyleLbl="parChTrans1D4" presStyleIdx="11" presStyleCnt="14"/>
+      <dgm:spPr/>
+    </dgm:pt>
+    <dgm:pt modelId="{F6F3290B-F5E6-40CC-8CB0-5C70A314E6D2}" type="pres">
+      <dgm:prSet presAssocID="{6738B9E2-451A-43B2-826B-D63D93E6373D}" presName="Name21" presStyleCnt="0"/>
+      <dgm:spPr/>
+    </dgm:pt>
+    <dgm:pt modelId="{F56A5A54-26D9-48D1-A6DB-2217A80DEE47}" type="pres">
+      <dgm:prSet presAssocID="{6738B9E2-451A-43B2-826B-D63D93E6373D}" presName="level2Shape" presStyleLbl="node4" presStyleIdx="11" presStyleCnt="14" custScaleY="37274"/>
+      <dgm:spPr/>
+    </dgm:pt>
+    <dgm:pt modelId="{898510C9-AA53-4577-B586-ECD7E692BE46}" type="pres">
+      <dgm:prSet presAssocID="{6738B9E2-451A-43B2-826B-D63D93E6373D}" presName="hierChild3" presStyleCnt="0"/>
+      <dgm:spPr/>
+    </dgm:pt>
     <dgm:pt modelId="{3A120BBF-4973-4A5F-BC62-744E16BC264A}" type="pres">
-      <dgm:prSet presAssocID="{831C4BFC-E8FF-4E54-9972-A0B26C1B849E}" presName="Name19" presStyleLbl="parChTrans1D4" presStyleIdx="4" presStyleCnt="6"/>
+      <dgm:prSet presAssocID="{831C4BFC-E8FF-4E54-9972-A0B26C1B849E}" presName="Name19" presStyleLbl="parChTrans1D4" presStyleIdx="12" presStyleCnt="14"/>
       <dgm:spPr/>
     </dgm:pt>
     <dgm:pt modelId="{AD630210-647E-431C-8CF0-BC679417CEC3}" type="pres">
@@ -1558,7 +2006,7 @@
       <dgm:spPr/>
     </dgm:pt>
     <dgm:pt modelId="{A9DD8163-16AE-49A3-ADC2-B6CE506E10DF}" type="pres">
-      <dgm:prSet presAssocID="{A53B40EF-7717-49D7-B31F-8D73B7546B34}" presName="level2Shape" presStyleLbl="node4" presStyleIdx="4" presStyleCnt="6" custScaleY="34134"/>
+      <dgm:prSet presAssocID="{A53B40EF-7717-49D7-B31F-8D73B7546B34}" presName="level2Shape" presStyleLbl="node4" presStyleIdx="12" presStyleCnt="14" custScaleY="34134"/>
       <dgm:spPr/>
     </dgm:pt>
     <dgm:pt modelId="{FB2F3855-BAD9-4988-A77B-A6976B3246D9}" type="pres">
@@ -1566,7 +2014,7 @@
       <dgm:spPr/>
     </dgm:pt>
     <dgm:pt modelId="{0056C3D6-1632-4D8F-AD75-C8E7F20972E1}" type="pres">
-      <dgm:prSet presAssocID="{516A125C-5604-4B99-9A06-D3440002BAAC}" presName="Name19" presStyleLbl="parChTrans1D4" presStyleIdx="5" presStyleCnt="6"/>
+      <dgm:prSet presAssocID="{516A125C-5604-4B99-9A06-D3440002BAAC}" presName="Name19" presStyleLbl="parChTrans1D4" presStyleIdx="13" presStyleCnt="14"/>
       <dgm:spPr/>
     </dgm:pt>
     <dgm:pt modelId="{04AC4481-BA9B-4B8F-A954-BAC6486EF746}" type="pres">
@@ -1574,7 +2022,7 @@
       <dgm:spPr/>
     </dgm:pt>
     <dgm:pt modelId="{00E70592-E2B0-44F4-8385-60050C4BF6E3}" type="pres">
-      <dgm:prSet presAssocID="{15C0FCF5-4099-4498-99CF-9C086A924BB5}" presName="level2Shape" presStyleLbl="node4" presStyleIdx="5" presStyleCnt="6" custScaleY="34134"/>
+      <dgm:prSet presAssocID="{15C0FCF5-4099-4498-99CF-9C086A924BB5}" presName="level2Shape" presStyleLbl="node4" presStyleIdx="13" presStyleCnt="14" custScaleY="34134"/>
       <dgm:spPr/>
     </dgm:pt>
     <dgm:pt modelId="{1BBA9C82-E365-4615-B4A5-01A645D1C417}" type="pres">
@@ -1603,38 +2051,62 @@
     </dgm:pt>
   </dgm:ptLst>
   <dgm:cxnLst>
+    <dgm:cxn modelId="{89760502-42AF-4619-9577-495253FFAA8C}" srcId="{7C223780-CA93-4A94-AC72-FFE27927E5C8}" destId="{0DEFDF84-49C8-4F36-B034-0A5CC7B0EE03}" srcOrd="1" destOrd="0" parTransId="{85331CCC-1B59-4FA4-BCAD-5FAD9DCFFF2E}" sibTransId="{70A1A6EE-5851-4C58-AC2A-FE0E9962F416}"/>
     <dgm:cxn modelId="{0C621104-728A-45C9-96CE-440C33957ABE}" type="presOf" srcId="{A53B40EF-7717-49D7-B31F-8D73B7546B34}" destId="{A9DD8163-16AE-49A3-ADC2-B6CE506E10DF}" srcOrd="0" destOrd="0" presId="urn:microsoft.com/office/officeart/2005/8/layout/hierarchy6"/>
     <dgm:cxn modelId="{069A3F05-27CE-4DB4-8928-20117979C740}" srcId="{CD7E7D3A-44A6-49AC-BB64-84A8E85CAB0D}" destId="{0140C913-13FF-48D6-A65B-9EA285F635BA}" srcOrd="0" destOrd="0" parTransId="{E63AFD1C-732D-4DDD-B7D5-2FC1DEF73917}" sibTransId="{093FD765-F64B-47FE-93A6-E09B8ABC2A47}"/>
     <dgm:cxn modelId="{DF0B1C1F-A475-4A16-A090-AF41CC2335FC}" srcId="{ADC578C1-01A0-4C86-AA4A-34FB46576B61}" destId="{9738D085-A6A8-4496-8171-6AF9866AC806}" srcOrd="0" destOrd="0" parTransId="{6408699B-F42B-4F13-9F30-8609682BC367}" sibTransId="{B0E8A9B8-E2D6-4CBA-AE07-7125E2E4AA5A}"/>
     <dgm:cxn modelId="{21718220-21AA-4EB2-8204-6EDF91B00249}" srcId="{9738D085-A6A8-4496-8171-6AF9866AC806}" destId="{D91D1A4B-A4BE-4A5C-A294-E71B739F58B4}" srcOrd="1" destOrd="0" parTransId="{4BAC4585-31A9-454D-99B0-4941B51EBD2A}" sibTransId="{DA2B13AD-A880-4B16-8183-C0ACB96F7612}"/>
     <dgm:cxn modelId="{4448E723-A83E-42D8-9343-1E089102B6AD}" type="presOf" srcId="{5EA6ACAB-DC7E-4813-89E7-93FCD5503413}" destId="{77F64DF7-F46B-43B5-B8A3-A0168073FF31}" srcOrd="0" destOrd="0" presId="urn:microsoft.com/office/officeart/2005/8/layout/hierarchy6"/>
     <dgm:cxn modelId="{DE228C2C-BDA7-40C3-AA71-C694CB287792}" type="presOf" srcId="{6408699B-F42B-4F13-9F30-8609682BC367}" destId="{86006B4C-7AE8-4A4A-98EC-1CD273487155}" srcOrd="0" destOrd="0" presId="urn:microsoft.com/office/officeart/2005/8/layout/hierarchy6"/>
+    <dgm:cxn modelId="{F05D1B30-18AA-4B5D-8F7F-3843DB3FEB3C}" srcId="{7C223780-CA93-4A94-AC72-FFE27927E5C8}" destId="{6738B9E2-451A-43B2-826B-D63D93E6373D}" srcOrd="6" destOrd="0" parTransId="{4C1D877B-027E-430E-BFED-02497179FFCE}" sibTransId="{DDA56055-5AA8-4E94-B155-A444AE686ABD}"/>
     <dgm:cxn modelId="{C301DE30-9AEC-42FF-B14B-73996D68AC2E}" type="presOf" srcId="{ADC578C1-01A0-4C86-AA4A-34FB46576B61}" destId="{65F81CE2-9E14-4FF9-824E-4E4C5FEAD7FE}" srcOrd="0" destOrd="0" presId="urn:microsoft.com/office/officeart/2005/8/layout/hierarchy6"/>
     <dgm:cxn modelId="{2D8EDC32-82C9-4F9B-BFC5-29336DC225FB}" srcId="{E8BEE0D5-A617-4FD8-ABF5-1998BB66CFD3}" destId="{5EA6ACAB-DC7E-4813-89E7-93FCD5503413}" srcOrd="0" destOrd="0" parTransId="{9A2D2CF2-236D-4A48-BDC7-D3F0233A51DF}" sibTransId="{77CB6462-28C5-44AB-ACD1-62246C915F79}"/>
+    <dgm:cxn modelId="{0EEF3134-45AF-433A-A021-83D89CEDA285}" type="presOf" srcId="{7C223780-CA93-4A94-AC72-FFE27927E5C8}" destId="{EDBBC500-2690-4E55-B4DD-AE467F2DF6C0}" srcOrd="0" destOrd="0" presId="urn:microsoft.com/office/officeart/2005/8/layout/hierarchy6"/>
     <dgm:cxn modelId="{BD095634-EDAA-4639-A67A-10B230329855}" type="presOf" srcId="{C2A2EF54-1EB9-49AE-AF5C-EF5CB2731BA9}" destId="{EEA9A3B3-C61F-4751-B6B3-1CF318DB1319}" srcOrd="0" destOrd="0" presId="urn:microsoft.com/office/officeart/2005/8/layout/hierarchy6"/>
     <dgm:cxn modelId="{4CDB8E34-6555-49D3-8740-C46F6ECFF4BB}" type="presOf" srcId="{32623915-F41E-45B9-A7A8-B727E91245F8}" destId="{299643E4-C9BA-49B9-BB68-1D51F645D4FA}" srcOrd="0" destOrd="0" presId="urn:microsoft.com/office/officeart/2005/8/layout/hierarchy6"/>
+    <dgm:cxn modelId="{50F9093B-F6C4-4B89-B19F-CEE24314DE7D}" srcId="{7C223780-CA93-4A94-AC72-FFE27927E5C8}" destId="{9A09909E-EF1A-45C7-B23D-90AB5636C04C}" srcOrd="0" destOrd="0" parTransId="{A08B0ED6-8C5C-4477-839E-BA5F06974C77}" sibTransId="{683D979D-470B-4515-ADD0-40B5B16436D3}"/>
     <dgm:cxn modelId="{9E3F0E3E-DC10-4BD2-BD2B-5FB7E4B8A0D5}" type="presOf" srcId="{E8BEE0D5-A617-4FD8-ABF5-1998BB66CFD3}" destId="{834BB4C1-E9FF-4260-B1BF-3881F705D6DF}" srcOrd="0" destOrd="0" presId="urn:microsoft.com/office/officeart/2005/8/layout/hierarchy6"/>
     <dgm:cxn modelId="{05689540-DF17-4916-979E-5F72591DD3E0}" srcId="{9738D085-A6A8-4496-8171-6AF9866AC806}" destId="{C2A2EF54-1EB9-49AE-AF5C-EF5CB2731BA9}" srcOrd="0" destOrd="0" parTransId="{32623915-F41E-45B9-A7A8-B727E91245F8}" sibTransId="{3AD12A2E-BE4E-42DE-8B96-FEAF24B2B08A}"/>
+    <dgm:cxn modelId="{B38F9D5C-FE64-434D-AD85-B443B145508B}" type="presOf" srcId="{9D0F3154-C4EB-4F93-9ED7-178942519778}" destId="{43C1020C-A9E8-4426-8E99-4AAABC0E96B6}" srcOrd="0" destOrd="0" presId="urn:microsoft.com/office/officeart/2005/8/layout/hierarchy6"/>
+    <dgm:cxn modelId="{2D685061-D17D-40AC-87A6-92B601FF1ACC}" srcId="{D91D1A4B-A4BE-4A5C-A294-E71B739F58B4}" destId="{7C223780-CA93-4A94-AC72-FFE27927E5C8}" srcOrd="0" destOrd="0" parTransId="{D0B01A0F-37D3-46CD-991D-0A84F9421E7F}" sibTransId="{EEFD43BF-DFB8-4781-9458-149A2B2C037D}"/>
+    <dgm:cxn modelId="{E6CC0B43-FBE6-4118-B31A-1463E9BB90E3}" type="presOf" srcId="{0DEFDF84-49C8-4F36-B034-0A5CC7B0EE03}" destId="{919B05FB-C40E-4614-A2CE-59CD8D798943}" srcOrd="0" destOrd="0" presId="urn:microsoft.com/office/officeart/2005/8/layout/hierarchy6"/>
     <dgm:cxn modelId="{7833D044-FD8B-4413-955F-1D9DA942C0EC}" srcId="{CD7E7D3A-44A6-49AC-BB64-84A8E85CAB0D}" destId="{626D57E9-DF19-49A7-9BD9-B5FF01447DE9}" srcOrd="2" destOrd="0" parTransId="{6B3E696C-4391-4605-AD9C-847997E2E7DE}" sibTransId="{376BEAE8-758B-4430-BAAD-CF1B01314125}"/>
+    <dgm:cxn modelId="{49F85267-FDFA-4B86-B94F-9A59D3FEDBE4}" type="presOf" srcId="{4C1D877B-027E-430E-BFED-02497179FFCE}" destId="{8F67CA8E-CB83-4EFF-A17E-1D2514CAF192}" srcOrd="0" destOrd="0" presId="urn:microsoft.com/office/officeart/2005/8/layout/hierarchy6"/>
     <dgm:cxn modelId="{B266F867-879C-42FB-95A4-8AD712B271A8}" srcId="{9738D085-A6A8-4496-8171-6AF9866AC806}" destId="{15C0FCF5-4099-4498-99CF-9C086A924BB5}" srcOrd="3" destOrd="0" parTransId="{516A125C-5604-4B99-9A06-D3440002BAAC}" sibTransId="{2C0F4945-BE96-4E52-B377-06E4A20E54CA}"/>
     <dgm:cxn modelId="{E890E348-1E50-48A5-8353-22AC90E6DFD2}" type="presOf" srcId="{0140C913-13FF-48D6-A65B-9EA285F635BA}" destId="{668FFFCC-5934-49B7-82EC-28C49E554E2D}" srcOrd="0" destOrd="0" presId="urn:microsoft.com/office/officeart/2005/8/layout/hierarchy6"/>
     <dgm:cxn modelId="{2F489049-23C8-48D0-A8D3-A590DA52C06A}" type="presOf" srcId="{4BAC4585-31A9-454D-99B0-4941B51EBD2A}" destId="{63C0A1EC-A5C6-4E6D-8D2C-E576274BB8A2}" srcOrd="0" destOrd="0" presId="urn:microsoft.com/office/officeart/2005/8/layout/hierarchy6"/>
+    <dgm:cxn modelId="{71618D4A-C303-40EA-9D16-B78CD8132C68}" type="presOf" srcId="{6738B9E2-451A-43B2-826B-D63D93E6373D}" destId="{F56A5A54-26D9-48D1-A6DB-2217A80DEE47}" srcOrd="0" destOrd="0" presId="urn:microsoft.com/office/officeart/2005/8/layout/hierarchy6"/>
     <dgm:cxn modelId="{56F4044D-E628-484E-8501-E766D3836320}" srcId="{5EA6ACAB-DC7E-4813-89E7-93FCD5503413}" destId="{ADC578C1-01A0-4C86-AA4A-34FB46576B61}" srcOrd="0" destOrd="0" parTransId="{20BA57D4-3376-49E0-AA8B-1A997BF955DE}" sibTransId="{AD7D1438-8C2D-48BF-AC3C-F473948267CD}"/>
     <dgm:cxn modelId="{F2C1C650-B665-434F-9B5D-30900C6AA121}" type="presOf" srcId="{D91D1A4B-A4BE-4A5C-A294-E71B739F58B4}" destId="{BED5E154-7204-450B-ADEF-29959BE0D87D}" srcOrd="0" destOrd="0" presId="urn:microsoft.com/office/officeart/2005/8/layout/hierarchy6"/>
+    <dgm:cxn modelId="{AF9A6654-6368-4162-BDEB-67D36E2D480F}" type="presOf" srcId="{2FA7094D-DFF4-4892-8FF7-F2D61F718BD5}" destId="{5DE8BF0E-EDED-4C28-8336-A27CDB084B89}" srcOrd="0" destOrd="0" presId="urn:microsoft.com/office/officeart/2005/8/layout/hierarchy6"/>
     <dgm:cxn modelId="{F0EB2D58-7817-45FA-B0DC-33E07DEA201E}" type="presOf" srcId="{E63AFD1C-732D-4DDD-B7D5-2FC1DEF73917}" destId="{0589A63A-A3F2-4AC6-9D04-BD2D842A27A5}" srcOrd="0" destOrd="0" presId="urn:microsoft.com/office/officeart/2005/8/layout/hierarchy6"/>
+    <dgm:cxn modelId="{002A3778-4108-49DA-B356-14183B30AC11}" srcId="{7C223780-CA93-4A94-AC72-FFE27927E5C8}" destId="{72422F0A-0D1F-47E1-99DD-467AABC000DD}" srcOrd="3" destOrd="0" parTransId="{2FA7094D-DFF4-4892-8FF7-F2D61F718BD5}" sibTransId="{B5662629-D562-49C0-AE58-734306D1AF67}"/>
+    <dgm:cxn modelId="{88B1665A-9481-4BB2-9270-01B4A535DAFE}" type="presOf" srcId="{85331CCC-1B59-4FA4-BCAD-5FAD9DCFFF2E}" destId="{FEF7A9F7-DC19-40CA-B67A-D54E2BA7886A}" srcOrd="0" destOrd="0" presId="urn:microsoft.com/office/officeart/2005/8/layout/hierarchy6"/>
     <dgm:cxn modelId="{361FD05A-CD1D-4943-A109-96B36F214BA7}" type="presOf" srcId="{929F3563-9196-4D00-98BE-5A7D0208DD38}" destId="{C649E9A7-CFD2-4C49-8E73-056D39E1516E}" srcOrd="0" destOrd="0" presId="urn:microsoft.com/office/officeart/2005/8/layout/hierarchy6"/>
     <dgm:cxn modelId="{7D0E187F-78C9-485F-916A-9A27CFCF1FF1}" type="presOf" srcId="{20BA57D4-3376-49E0-AA8B-1A997BF955DE}" destId="{7227E5A7-36E5-4E5B-800C-9503A76B6EE3}" srcOrd="0" destOrd="0" presId="urn:microsoft.com/office/officeart/2005/8/layout/hierarchy6"/>
     <dgm:cxn modelId="{74715A98-DB83-41F7-A147-7937C9392310}" srcId="{94FF45F9-15F5-478A-A0EC-88A34D7A5218}" destId="{CD7E7D3A-44A6-49AC-BB64-84A8E85CAB0D}" srcOrd="0" destOrd="0" parTransId="{E3BC1601-2E6A-4058-8CB0-1DE30C1217AB}" sibTransId="{8917A529-5B3A-4F2E-8922-B3BED4ACD130}"/>
+    <dgm:cxn modelId="{95F8379B-6D28-4A4C-8D32-2707936B0C05}" srcId="{7C223780-CA93-4A94-AC72-FFE27927E5C8}" destId="{268950B9-2953-4C04-8156-A14D9DDC3266}" srcOrd="4" destOrd="0" parTransId="{9D0F3154-C4EB-4F93-9ED7-178942519778}" sibTransId="{8ABDACE4-363E-4E6A-8BDF-559CCF0F57A5}"/>
+    <dgm:cxn modelId="{FECAC2A3-A2EC-4859-98EB-60D85440AEB2}" type="presOf" srcId="{4B5D6205-785C-43A2-8FFA-6B2D81A0E525}" destId="{9C5D66B2-C1D4-462B-816D-AADCC902DD3D}" srcOrd="0" destOrd="0" presId="urn:microsoft.com/office/officeart/2005/8/layout/hierarchy6"/>
     <dgm:cxn modelId="{EED36DA6-C4DF-434C-8E47-CE9F51E3023D}" type="presOf" srcId="{516A125C-5604-4B99-9A06-D3440002BAAC}" destId="{0056C3D6-1632-4D8F-AD75-C8E7F20972E1}" srcOrd="0" destOrd="0" presId="urn:microsoft.com/office/officeart/2005/8/layout/hierarchy6"/>
     <dgm:cxn modelId="{83B814A8-0753-4C0B-A8A0-40C5A1BEE34B}" srcId="{9738D085-A6A8-4496-8171-6AF9866AC806}" destId="{A53B40EF-7717-49D7-B31F-8D73B7546B34}" srcOrd="2" destOrd="0" parTransId="{831C4BFC-E8FF-4E54-9972-A0B26C1B849E}" sibTransId="{B4125169-C4AA-4B4E-8CE9-095975A7C91F}"/>
+    <dgm:cxn modelId="{AF8628AC-6D7E-450B-A16A-653FEC779954}" type="presOf" srcId="{9A09909E-EF1A-45C7-B23D-90AB5636C04C}" destId="{CA095205-6383-45E8-8B9D-43040AA35754}" srcOrd="0" destOrd="0" presId="urn:microsoft.com/office/officeart/2005/8/layout/hierarchy6"/>
     <dgm:cxn modelId="{A86938AD-85EB-444B-8E6F-6667431F7026}" type="presOf" srcId="{CD7E7D3A-44A6-49AC-BB64-84A8E85CAB0D}" destId="{40797EF6-7BD3-41CC-AA9B-4184F809966A}" srcOrd="0" destOrd="0" presId="urn:microsoft.com/office/officeart/2005/8/layout/hierarchy6"/>
+    <dgm:cxn modelId="{138EC6B2-EB77-4DC4-929E-609F8BB98B9C}" srcId="{7C223780-CA93-4A94-AC72-FFE27927E5C8}" destId="{F65FFC30-4883-49F8-8C23-104F6EC8BFA1}" srcOrd="5" destOrd="0" parTransId="{4B5D6205-785C-43A2-8FFA-6B2D81A0E525}" sibTransId="{84F43197-0E4C-493F-B571-DE900B825F53}"/>
     <dgm:cxn modelId="{3AF74BBF-5994-41EB-A0B7-921B89079599}" type="presOf" srcId="{6B3E696C-4391-4605-AD9C-847997E2E7DE}" destId="{D5482CBC-6125-4E80-ABC0-60AC73315E5C}" srcOrd="0" destOrd="0" presId="urn:microsoft.com/office/officeart/2005/8/layout/hierarchy6"/>
+    <dgm:cxn modelId="{2FC500C4-49F3-40F0-AEE4-F0984AC38FA6}" type="presOf" srcId="{408DC874-7C93-41F9-8114-585F456BD1B7}" destId="{24CF8BBD-5D7D-4E3B-8EFB-A587ED5C4273}" srcOrd="0" destOrd="0" presId="urn:microsoft.com/office/officeart/2005/8/layout/hierarchy6"/>
     <dgm:cxn modelId="{516AFDC6-F1DC-43AB-A9D4-BC0B9B55B09B}" type="presOf" srcId="{831C4BFC-E8FF-4E54-9972-A0B26C1B849E}" destId="{3A120BBF-4973-4A5F-BC62-744E16BC264A}" srcOrd="0" destOrd="0" presId="urn:microsoft.com/office/officeart/2005/8/layout/hierarchy6"/>
+    <dgm:cxn modelId="{ACB977D1-4EDA-4AF8-8695-39F483E70A41}" type="presOf" srcId="{40D8757E-88D2-40B0-8937-7C3C72043EEA}" destId="{AD2698FD-EBE0-43B7-99B6-584D61FC3D09}" srcOrd="0" destOrd="0" presId="urn:microsoft.com/office/officeart/2005/8/layout/hierarchy6"/>
     <dgm:cxn modelId="{1766BDD2-A2C1-4013-BCE0-22779B063A57}" type="presOf" srcId="{9738D085-A6A8-4496-8171-6AF9866AC806}" destId="{521D6B14-56E6-4064-9558-4C89F31455F7}" srcOrd="0" destOrd="0" presId="urn:microsoft.com/office/officeart/2005/8/layout/hierarchy6"/>
     <dgm:cxn modelId="{B97264D3-727A-46A6-BF68-5A5F6D933A23}" type="presOf" srcId="{626D57E9-DF19-49A7-9BD9-B5FF01447DE9}" destId="{E1E21DD1-0B25-4826-B7EB-06589C2ED461}" srcOrd="0" destOrd="0" presId="urn:microsoft.com/office/officeart/2005/8/layout/hierarchy6"/>
     <dgm:cxn modelId="{D26AC2D6-8C1F-44A5-8AC3-454524EDF93E}" type="presOf" srcId="{94FF45F9-15F5-478A-A0EC-88A34D7A5218}" destId="{6CE98C23-E77A-4CE7-A64B-6AA3CFC6B704}" srcOrd="0" destOrd="0" presId="urn:microsoft.com/office/officeart/2005/8/layout/hierarchy6"/>
     <dgm:cxn modelId="{C0F0A5DA-F2D7-43D1-9368-19CCB5753C82}" srcId="{CD7E7D3A-44A6-49AC-BB64-84A8E85CAB0D}" destId="{E8BEE0D5-A617-4FD8-ABF5-1998BB66CFD3}" srcOrd="1" destOrd="0" parTransId="{929F3563-9196-4D00-98BE-5A7D0208DD38}" sibTransId="{192A68E0-9874-488B-951D-F3FEFF2FD1C2}"/>
+    <dgm:cxn modelId="{B3685CDD-C4CB-4194-BFB4-F2879A6A26CA}" type="presOf" srcId="{A08B0ED6-8C5C-4477-839E-BA5F06974C77}" destId="{2692B92D-12DC-4C3D-A916-1D3219A0CF6D}" srcOrd="0" destOrd="0" presId="urn:microsoft.com/office/officeart/2005/8/layout/hierarchy6"/>
+    <dgm:cxn modelId="{8FE467E5-0020-49DB-9E8E-CCA22CC81AD6}" type="presOf" srcId="{D0B01A0F-37D3-46CD-991D-0A84F9421E7F}" destId="{9CECD2E2-0655-458F-ADB1-A65A5CA974E0}" srcOrd="0" destOrd="0" presId="urn:microsoft.com/office/officeart/2005/8/layout/hierarchy6"/>
     <dgm:cxn modelId="{BDC9CEE7-E352-4CFC-AEAE-912D7012D950}" type="presOf" srcId="{15C0FCF5-4099-4498-99CF-9C086A924BB5}" destId="{00E70592-E2B0-44F4-8385-60050C4BF6E3}" srcOrd="0" destOrd="0" presId="urn:microsoft.com/office/officeart/2005/8/layout/hierarchy6"/>
+    <dgm:cxn modelId="{A69C20F0-2BCC-4CC1-B3BE-FAAFA54D0B98}" type="presOf" srcId="{72422F0A-0D1F-47E1-99DD-467AABC000DD}" destId="{8D3FAF42-26F0-4601-A123-0E53872F5513}" srcOrd="0" destOrd="0" presId="urn:microsoft.com/office/officeart/2005/8/layout/hierarchy6"/>
+    <dgm:cxn modelId="{BA5183F1-5AEC-4410-B637-BFEEA9DE0038}" type="presOf" srcId="{F65FFC30-4883-49F8-8C23-104F6EC8BFA1}" destId="{D2D4C4B1-B619-457E-B262-F2684A3498AD}" srcOrd="0" destOrd="0" presId="urn:microsoft.com/office/officeart/2005/8/layout/hierarchy6"/>
+    <dgm:cxn modelId="{30F407F4-27DE-4D04-A216-5CA2684C89DB}" srcId="{7C223780-CA93-4A94-AC72-FFE27927E5C8}" destId="{40D8757E-88D2-40B0-8937-7C3C72043EEA}" srcOrd="2" destOrd="0" parTransId="{408DC874-7C93-41F9-8114-585F456BD1B7}" sibTransId="{B8CDE1AB-7325-4AEB-8197-294974F41195}"/>
+    <dgm:cxn modelId="{B755DDF8-3F8C-4DE0-80A7-CE1F00D7476A}" type="presOf" srcId="{268950B9-2953-4C04-8156-A14D9DDC3266}" destId="{72996B35-7DAD-4224-9C44-59CB04FFEA25}" srcOrd="0" destOrd="0" presId="urn:microsoft.com/office/officeart/2005/8/layout/hierarchy6"/>
     <dgm:cxn modelId="{4DE975FC-F69B-4960-9352-35AF65771A1C}" type="presOf" srcId="{9A2D2CF2-236D-4A48-BDC7-D3F0233A51DF}" destId="{A8CAD384-8797-421B-99C3-6A882B1C8232}" srcOrd="0" destOrd="0" presId="urn:microsoft.com/office/officeart/2005/8/layout/hierarchy6"/>
     <dgm:cxn modelId="{3ED09F6E-C5B2-4F67-87E4-151572C07270}" type="presParOf" srcId="{6CE98C23-E77A-4CE7-A64B-6AA3CFC6B704}" destId="{2BA04B77-E7FD-43F0-B9A7-B759318C2F6C}" srcOrd="0" destOrd="0" presId="urn:microsoft.com/office/officeart/2005/8/layout/hierarchy6"/>
     <dgm:cxn modelId="{51C01FBB-1846-4424-A520-0303A190C18C}" type="presParOf" srcId="{2BA04B77-E7FD-43F0-B9A7-B759318C2F6C}" destId="{F4D57F15-3A30-4C64-A13E-7DABEE23CBEE}" srcOrd="0" destOrd="0" presId="urn:microsoft.com/office/officeart/2005/8/layout/hierarchy6"/>
@@ -1669,6 +2141,38 @@
     <dgm:cxn modelId="{205C0ED3-0D83-45BC-A40E-5AD7BFCFDEF5}" type="presParOf" srcId="{A639A3E3-4C6F-4B09-9761-54F9D6833DB4}" destId="{95D51ACB-A162-4A7A-A38C-EA92C62CE078}" srcOrd="3" destOrd="0" presId="urn:microsoft.com/office/officeart/2005/8/layout/hierarchy6"/>
     <dgm:cxn modelId="{6912158E-2E19-47CE-B62C-92ED85C579B4}" type="presParOf" srcId="{95D51ACB-A162-4A7A-A38C-EA92C62CE078}" destId="{BED5E154-7204-450B-ADEF-29959BE0D87D}" srcOrd="0" destOrd="0" presId="urn:microsoft.com/office/officeart/2005/8/layout/hierarchy6"/>
     <dgm:cxn modelId="{D6093168-EA1B-4AAA-8247-53DAB739F410}" type="presParOf" srcId="{95D51ACB-A162-4A7A-A38C-EA92C62CE078}" destId="{3FCA8D25-D023-4096-9E8C-C27B38724B45}" srcOrd="1" destOrd="0" presId="urn:microsoft.com/office/officeart/2005/8/layout/hierarchy6"/>
+    <dgm:cxn modelId="{C2F65FD3-2336-48C9-9720-89E0402E4AF9}" type="presParOf" srcId="{3FCA8D25-D023-4096-9E8C-C27B38724B45}" destId="{9CECD2E2-0655-458F-ADB1-A65A5CA974E0}" srcOrd="0" destOrd="0" presId="urn:microsoft.com/office/officeart/2005/8/layout/hierarchy6"/>
+    <dgm:cxn modelId="{2477C327-959A-41E2-91AB-11E2AF262DF3}" type="presParOf" srcId="{3FCA8D25-D023-4096-9E8C-C27B38724B45}" destId="{620F43C9-A461-41BC-A2F2-28B4EAE612F8}" srcOrd="1" destOrd="0" presId="urn:microsoft.com/office/officeart/2005/8/layout/hierarchy6"/>
+    <dgm:cxn modelId="{1304BC0D-3CB9-42DD-825E-D1728E6CCBD6}" type="presParOf" srcId="{620F43C9-A461-41BC-A2F2-28B4EAE612F8}" destId="{EDBBC500-2690-4E55-B4DD-AE467F2DF6C0}" srcOrd="0" destOrd="0" presId="urn:microsoft.com/office/officeart/2005/8/layout/hierarchy6"/>
+    <dgm:cxn modelId="{3A667CC6-9B6E-453C-815C-C7CB1D92EE41}" type="presParOf" srcId="{620F43C9-A461-41BC-A2F2-28B4EAE612F8}" destId="{CEF888C0-414E-484E-B604-21B1B7FD893D}" srcOrd="1" destOrd="0" presId="urn:microsoft.com/office/officeart/2005/8/layout/hierarchy6"/>
+    <dgm:cxn modelId="{76C55B73-2580-439F-8A05-B467EC3B6B89}" type="presParOf" srcId="{CEF888C0-414E-484E-B604-21B1B7FD893D}" destId="{2692B92D-12DC-4C3D-A916-1D3219A0CF6D}" srcOrd="0" destOrd="0" presId="urn:microsoft.com/office/officeart/2005/8/layout/hierarchy6"/>
+    <dgm:cxn modelId="{6F59AD77-3FEB-43A0-BEE0-BE90903F8AE8}" type="presParOf" srcId="{CEF888C0-414E-484E-B604-21B1B7FD893D}" destId="{42ADB88F-E348-4661-A247-55E554BF968D}" srcOrd="1" destOrd="0" presId="urn:microsoft.com/office/officeart/2005/8/layout/hierarchy6"/>
+    <dgm:cxn modelId="{E25EB1F0-F243-4918-8CDD-151A6A50872A}" type="presParOf" srcId="{42ADB88F-E348-4661-A247-55E554BF968D}" destId="{CA095205-6383-45E8-8B9D-43040AA35754}" srcOrd="0" destOrd="0" presId="urn:microsoft.com/office/officeart/2005/8/layout/hierarchy6"/>
+    <dgm:cxn modelId="{A96AFC0F-4441-4A6A-B1D4-58B252698460}" type="presParOf" srcId="{42ADB88F-E348-4661-A247-55E554BF968D}" destId="{0EA32513-3D52-45AC-AE72-0274AC4F4A90}" srcOrd="1" destOrd="0" presId="urn:microsoft.com/office/officeart/2005/8/layout/hierarchy6"/>
+    <dgm:cxn modelId="{054927CE-435D-44F2-B6DE-410F8802B33F}" type="presParOf" srcId="{CEF888C0-414E-484E-B604-21B1B7FD893D}" destId="{FEF7A9F7-DC19-40CA-B67A-D54E2BA7886A}" srcOrd="2" destOrd="0" presId="urn:microsoft.com/office/officeart/2005/8/layout/hierarchy6"/>
+    <dgm:cxn modelId="{2E86BF8A-4E05-4228-8421-B51F8ADD97B6}" type="presParOf" srcId="{CEF888C0-414E-484E-B604-21B1B7FD893D}" destId="{1E9DCEB2-5937-4B5C-A8EA-22B1CC353A2F}" srcOrd="3" destOrd="0" presId="urn:microsoft.com/office/officeart/2005/8/layout/hierarchy6"/>
+    <dgm:cxn modelId="{498C0C98-5872-4138-885B-68EBCEB8A286}" type="presParOf" srcId="{1E9DCEB2-5937-4B5C-A8EA-22B1CC353A2F}" destId="{919B05FB-C40E-4614-A2CE-59CD8D798943}" srcOrd="0" destOrd="0" presId="urn:microsoft.com/office/officeart/2005/8/layout/hierarchy6"/>
+    <dgm:cxn modelId="{65AB28B1-E386-46C2-91EE-7F693E0390FB}" type="presParOf" srcId="{1E9DCEB2-5937-4B5C-A8EA-22B1CC353A2F}" destId="{0D3A66CC-836B-4896-A994-71530BB9A763}" srcOrd="1" destOrd="0" presId="urn:microsoft.com/office/officeart/2005/8/layout/hierarchy6"/>
+    <dgm:cxn modelId="{21CB83E1-17AC-4F67-8E32-ED9D78D6AE41}" type="presParOf" srcId="{CEF888C0-414E-484E-B604-21B1B7FD893D}" destId="{24CF8BBD-5D7D-4E3B-8EFB-A587ED5C4273}" srcOrd="4" destOrd="0" presId="urn:microsoft.com/office/officeart/2005/8/layout/hierarchy6"/>
+    <dgm:cxn modelId="{5DE6D8FC-F1E6-4237-8029-1EA5751E7F8B}" type="presParOf" srcId="{CEF888C0-414E-484E-B604-21B1B7FD893D}" destId="{35F17009-4313-4E88-B6E4-651117F7455B}" srcOrd="5" destOrd="0" presId="urn:microsoft.com/office/officeart/2005/8/layout/hierarchy6"/>
+    <dgm:cxn modelId="{155FAB8C-2B7D-4109-875C-5809427C5C0F}" type="presParOf" srcId="{35F17009-4313-4E88-B6E4-651117F7455B}" destId="{AD2698FD-EBE0-43B7-99B6-584D61FC3D09}" srcOrd="0" destOrd="0" presId="urn:microsoft.com/office/officeart/2005/8/layout/hierarchy6"/>
+    <dgm:cxn modelId="{8463B4AB-05F7-42EB-9B8E-7F4882F2146C}" type="presParOf" srcId="{35F17009-4313-4E88-B6E4-651117F7455B}" destId="{A2D0DB85-4209-40CE-84A8-9DAF5AD8686C}" srcOrd="1" destOrd="0" presId="urn:microsoft.com/office/officeart/2005/8/layout/hierarchy6"/>
+    <dgm:cxn modelId="{737BDA93-FC06-45E3-8D41-8304C1AEC79D}" type="presParOf" srcId="{CEF888C0-414E-484E-B604-21B1B7FD893D}" destId="{5DE8BF0E-EDED-4C28-8336-A27CDB084B89}" srcOrd="6" destOrd="0" presId="urn:microsoft.com/office/officeart/2005/8/layout/hierarchy6"/>
+    <dgm:cxn modelId="{9696994C-B3BF-4341-B3DA-3752D499F9DD}" type="presParOf" srcId="{CEF888C0-414E-484E-B604-21B1B7FD893D}" destId="{DFF6A458-E349-43C1-AF6B-10335A1E8501}" srcOrd="7" destOrd="0" presId="urn:microsoft.com/office/officeart/2005/8/layout/hierarchy6"/>
+    <dgm:cxn modelId="{FA4C65B6-C3A7-4411-9298-02B240BA0A96}" type="presParOf" srcId="{DFF6A458-E349-43C1-AF6B-10335A1E8501}" destId="{8D3FAF42-26F0-4601-A123-0E53872F5513}" srcOrd="0" destOrd="0" presId="urn:microsoft.com/office/officeart/2005/8/layout/hierarchy6"/>
+    <dgm:cxn modelId="{AD0E95FA-66CF-448C-9466-234F9C3A5E39}" type="presParOf" srcId="{DFF6A458-E349-43C1-AF6B-10335A1E8501}" destId="{61CD1B31-0DDC-406B-8C09-7790CF42842D}" srcOrd="1" destOrd="0" presId="urn:microsoft.com/office/officeart/2005/8/layout/hierarchy6"/>
+    <dgm:cxn modelId="{7411F21B-0989-4C64-BF7B-9F22D8933BC3}" type="presParOf" srcId="{CEF888C0-414E-484E-B604-21B1B7FD893D}" destId="{43C1020C-A9E8-4426-8E99-4AAABC0E96B6}" srcOrd="8" destOrd="0" presId="urn:microsoft.com/office/officeart/2005/8/layout/hierarchy6"/>
+    <dgm:cxn modelId="{5F54B11C-DBC7-41CD-96B2-4E155B06AA4D}" type="presParOf" srcId="{CEF888C0-414E-484E-B604-21B1B7FD893D}" destId="{9E0FB092-4F52-42ED-A6B6-B83D20B7C6BD}" srcOrd="9" destOrd="0" presId="urn:microsoft.com/office/officeart/2005/8/layout/hierarchy6"/>
+    <dgm:cxn modelId="{FA398576-378F-4B32-9B93-3E3AC2A12D70}" type="presParOf" srcId="{9E0FB092-4F52-42ED-A6B6-B83D20B7C6BD}" destId="{72996B35-7DAD-4224-9C44-59CB04FFEA25}" srcOrd="0" destOrd="0" presId="urn:microsoft.com/office/officeart/2005/8/layout/hierarchy6"/>
+    <dgm:cxn modelId="{2CE4E2D4-EF25-48B6-8C9B-72A9941F3476}" type="presParOf" srcId="{9E0FB092-4F52-42ED-A6B6-B83D20B7C6BD}" destId="{9BFB6C5C-17D2-40AF-9652-3996C8DE52CF}" srcOrd="1" destOrd="0" presId="urn:microsoft.com/office/officeart/2005/8/layout/hierarchy6"/>
+    <dgm:cxn modelId="{02035243-4A1D-436C-968F-FD0DFA114D70}" type="presParOf" srcId="{CEF888C0-414E-484E-B604-21B1B7FD893D}" destId="{9C5D66B2-C1D4-462B-816D-AADCC902DD3D}" srcOrd="10" destOrd="0" presId="urn:microsoft.com/office/officeart/2005/8/layout/hierarchy6"/>
+    <dgm:cxn modelId="{640DA38E-105D-4331-9A1F-C3497A815764}" type="presParOf" srcId="{CEF888C0-414E-484E-B604-21B1B7FD893D}" destId="{0F4812A0-EA90-4E51-9B8A-1ACA14C01243}" srcOrd="11" destOrd="0" presId="urn:microsoft.com/office/officeart/2005/8/layout/hierarchy6"/>
+    <dgm:cxn modelId="{C0EEDD9C-2F9D-4F7D-B580-8605CCEFB409}" type="presParOf" srcId="{0F4812A0-EA90-4E51-9B8A-1ACA14C01243}" destId="{D2D4C4B1-B619-457E-B262-F2684A3498AD}" srcOrd="0" destOrd="0" presId="urn:microsoft.com/office/officeart/2005/8/layout/hierarchy6"/>
+    <dgm:cxn modelId="{7F9F030C-C71B-497C-ABA7-F6F137C0DF32}" type="presParOf" srcId="{0F4812A0-EA90-4E51-9B8A-1ACA14C01243}" destId="{1F07773D-3685-45F3-8A68-CA3FB7B3A4AC}" srcOrd="1" destOrd="0" presId="urn:microsoft.com/office/officeart/2005/8/layout/hierarchy6"/>
+    <dgm:cxn modelId="{1E3A448C-50AA-41BE-99AB-BB0F567FA54A}" type="presParOf" srcId="{CEF888C0-414E-484E-B604-21B1B7FD893D}" destId="{8F67CA8E-CB83-4EFF-A17E-1D2514CAF192}" srcOrd="12" destOrd="0" presId="urn:microsoft.com/office/officeart/2005/8/layout/hierarchy6"/>
+    <dgm:cxn modelId="{5DDC6732-C292-41D8-80FC-DABA31A213AD}" type="presParOf" srcId="{CEF888C0-414E-484E-B604-21B1B7FD893D}" destId="{F6F3290B-F5E6-40CC-8CB0-5C70A314E6D2}" srcOrd="13" destOrd="0" presId="urn:microsoft.com/office/officeart/2005/8/layout/hierarchy6"/>
+    <dgm:cxn modelId="{C0553B16-7DCF-4C6E-9617-A3A339635B12}" type="presParOf" srcId="{F6F3290B-F5E6-40CC-8CB0-5C70A314E6D2}" destId="{F56A5A54-26D9-48D1-A6DB-2217A80DEE47}" srcOrd="0" destOrd="0" presId="urn:microsoft.com/office/officeart/2005/8/layout/hierarchy6"/>
+    <dgm:cxn modelId="{588946C5-F11D-46AC-942A-5E6F01C859F3}" type="presParOf" srcId="{F6F3290B-F5E6-40CC-8CB0-5C70A314E6D2}" destId="{898510C9-AA53-4577-B586-ECD7E692BE46}" srcOrd="1" destOrd="0" presId="urn:microsoft.com/office/officeart/2005/8/layout/hierarchy6"/>
     <dgm:cxn modelId="{69894555-A9F4-4F70-87BE-832AD45A81F6}" type="presParOf" srcId="{A639A3E3-4C6F-4B09-9761-54F9D6833DB4}" destId="{3A120BBF-4973-4A5F-BC62-744E16BC264A}" srcOrd="4" destOrd="0" presId="urn:microsoft.com/office/officeart/2005/8/layout/hierarchy6"/>
     <dgm:cxn modelId="{0AF71D9C-CF31-417C-849C-44EE4F02E80B}" type="presParOf" srcId="{A639A3E3-4C6F-4B09-9761-54F9D6833DB4}" destId="{AD630210-647E-431C-8CF0-BC679417CEC3}" srcOrd="5" destOrd="0" presId="urn:microsoft.com/office/officeart/2005/8/layout/hierarchy6"/>
     <dgm:cxn modelId="{C5572730-370E-4139-9B3C-2BB4F5126125}" type="presParOf" srcId="{AD630210-647E-431C-8CF0-BC679417CEC3}" destId="{A9DD8163-16AE-49A3-ADC2-B6CE506E10DF}" srcOrd="0" destOrd="0" presId="urn:microsoft.com/office/officeart/2005/8/layout/hierarchy6"/>
@@ -1708,8 +2212,8 @@
       </dsp:nvSpPr>
       <dsp:spPr>
         <a:xfrm>
-          <a:off x="3438052" y="297902"/>
-          <a:ext cx="1353494" cy="308001"/>
+          <a:off x="4254940" y="504057"/>
+          <a:ext cx="934268" cy="225955"/>
         </a:xfrm>
         <a:prstGeom prst="roundRect">
           <a:avLst>
@@ -1753,12 +2257,12 @@
         </a:fontRef>
       </dsp:style>
       <dsp:txBody>
-        <a:bodyPr spcFirstLastPara="0" vert="horz" wrap="square" lIns="38100" tIns="38100" rIns="38100" bIns="38100" numCol="1" spcCol="1270" anchor="ctr" anchorCtr="0">
+        <a:bodyPr spcFirstLastPara="0" vert="horz" wrap="square" lIns="30480" tIns="30480" rIns="30480" bIns="30480" numCol="1" spcCol="1270" anchor="ctr" anchorCtr="0">
           <a:noAutofit/>
         </a:bodyPr>
         <a:lstStyle/>
         <a:p>
-          <a:pPr marL="0" lvl="0" indent="0" algn="ctr" defTabSz="444500" latinLnBrk="1">
+          <a:pPr marL="0" lvl="0" indent="0" algn="ctr" defTabSz="355600" latinLnBrk="1">
             <a:lnSpc>
               <a:spcPct val="90000"/>
             </a:lnSpc>
@@ -1771,15 +2275,15 @@
             <a:buNone/>
           </a:pPr>
           <a:r>
-            <a:rPr lang="en-US" altLang="ko-KR" sz="1000" kern="1200"/>
+            <a:rPr lang="en-US" altLang="ko-KR" sz="800" kern="1200"/>
             <a:t>root</a:t>
           </a:r>
-          <a:endParaRPr lang="ko-KR" altLang="en-US" sz="1000" kern="1200"/>
+          <a:endParaRPr lang="ko-KR" altLang="en-US" sz="800" kern="1200"/>
         </a:p>
       </dsp:txBody>
       <dsp:txXfrm>
-        <a:off x="3447073" y="306923"/>
-        <a:ext cx="1335452" cy="289959"/>
+        <a:off x="4261558" y="510675"/>
+        <a:ext cx="921032" cy="212719"/>
       </dsp:txXfrm>
     </dsp:sp>
     <dsp:sp modelId="{0589A63A-A3F2-4AC6-9D04-BD2D842A27A5}">
@@ -1789,8 +2293,8 @@
       </dsp:nvSpPr>
       <dsp:spPr>
         <a:xfrm>
-          <a:off x="2355257" y="605903"/>
-          <a:ext cx="1759542" cy="360931"/>
+          <a:off x="3507525" y="730013"/>
+          <a:ext cx="1214549" cy="249138"/>
         </a:xfrm>
         <a:custGeom>
           <a:avLst/>
@@ -1801,16 +2305,16 @@
           <a:pathLst>
             <a:path>
               <a:moveTo>
-                <a:pt x="1759542" y="0"/>
+                <a:pt x="1214549" y="0"/>
               </a:moveTo>
               <a:lnTo>
-                <a:pt x="1759542" y="180465"/>
+                <a:pt x="1214549" y="124569"/>
               </a:lnTo>
               <a:lnTo>
-                <a:pt x="0" y="180465"/>
+                <a:pt x="0" y="124569"/>
               </a:lnTo>
               <a:lnTo>
-                <a:pt x="0" y="360931"/>
+                <a:pt x="0" y="249138"/>
               </a:lnTo>
             </a:path>
           </a:pathLst>
@@ -1850,8 +2354,8 @@
       </dsp:nvSpPr>
       <dsp:spPr>
         <a:xfrm>
-          <a:off x="1678509" y="966835"/>
-          <a:ext cx="1353494" cy="308001"/>
+          <a:off x="3040391" y="979151"/>
+          <a:ext cx="934268" cy="212602"/>
         </a:xfrm>
         <a:prstGeom prst="roundRect">
           <a:avLst>
@@ -1895,12 +2399,12 @@
         </a:fontRef>
       </dsp:style>
       <dsp:txBody>
-        <a:bodyPr spcFirstLastPara="0" vert="horz" wrap="square" lIns="38100" tIns="38100" rIns="38100" bIns="38100" numCol="1" spcCol="1270" anchor="ctr" anchorCtr="0">
+        <a:bodyPr spcFirstLastPara="0" vert="horz" wrap="square" lIns="30480" tIns="30480" rIns="30480" bIns="30480" numCol="1" spcCol="1270" anchor="ctr" anchorCtr="0">
           <a:noAutofit/>
         </a:bodyPr>
         <a:lstStyle/>
         <a:p>
-          <a:pPr marL="0" lvl="0" indent="0" algn="ctr" defTabSz="444500" latinLnBrk="1">
+          <a:pPr marL="0" lvl="0" indent="0" algn="ctr" defTabSz="355600" latinLnBrk="1">
             <a:lnSpc>
               <a:spcPct val="90000"/>
             </a:lnSpc>
@@ -1913,15 +2417,15 @@
             <a:buNone/>
           </a:pPr>
           <a:r>
-            <a:rPr lang="en-US" altLang="ko-KR" sz="1000" kern="1200"/>
+            <a:rPr lang="en-US" altLang="ko-KR" sz="800" kern="1200"/>
             <a:t>ccltt / 0</a:t>
           </a:r>
-          <a:endParaRPr lang="ko-KR" altLang="en-US" sz="1000" kern="1200"/>
+          <a:endParaRPr lang="ko-KR" altLang="en-US" sz="800" kern="1200"/>
         </a:p>
       </dsp:txBody>
       <dsp:txXfrm>
-        <a:off x="1687530" y="975856"/>
-        <a:ext cx="1335452" cy="289959"/>
+        <a:off x="3046618" y="985378"/>
+        <a:ext cx="921814" cy="200148"/>
       </dsp:txXfrm>
     </dsp:sp>
     <dsp:sp modelId="{C649E9A7-CFD2-4C49-8E73-056D39E1516E}">
@@ -1931,8 +2435,8 @@
       </dsp:nvSpPr>
       <dsp:spPr>
         <a:xfrm>
-          <a:off x="4069080" y="605903"/>
-          <a:ext cx="91440" cy="360931"/>
+          <a:off x="4676354" y="730013"/>
+          <a:ext cx="91440" cy="249138"/>
         </a:xfrm>
         <a:custGeom>
           <a:avLst/>
@@ -1946,7 +2450,7 @@
                 <a:pt x="45720" y="0"/>
               </a:moveTo>
               <a:lnTo>
-                <a:pt x="45720" y="360931"/>
+                <a:pt x="45720" y="249138"/>
               </a:lnTo>
             </a:path>
           </a:pathLst>
@@ -1986,8 +2490,8 @@
       </dsp:nvSpPr>
       <dsp:spPr>
         <a:xfrm>
-          <a:off x="3438052" y="966835"/>
-          <a:ext cx="1353494" cy="308001"/>
+          <a:off x="4254940" y="979151"/>
+          <a:ext cx="934268" cy="212602"/>
         </a:xfrm>
         <a:prstGeom prst="roundRect">
           <a:avLst>
@@ -2031,12 +2535,12 @@
         </a:fontRef>
       </dsp:style>
       <dsp:txBody>
-        <a:bodyPr spcFirstLastPara="0" vert="horz" wrap="square" lIns="38100" tIns="38100" rIns="38100" bIns="38100" numCol="1" spcCol="1270" anchor="ctr" anchorCtr="0">
+        <a:bodyPr spcFirstLastPara="0" vert="horz" wrap="square" lIns="30480" tIns="30480" rIns="30480" bIns="30480" numCol="1" spcCol="1270" anchor="ctr" anchorCtr="0">
           <a:noAutofit/>
         </a:bodyPr>
         <a:lstStyle/>
         <a:p>
-          <a:pPr marL="0" lvl="0" indent="0" algn="ctr" defTabSz="444500" latinLnBrk="1">
+          <a:pPr marL="0" lvl="0" indent="0" algn="ctr" defTabSz="355600" latinLnBrk="1">
             <a:lnSpc>
               <a:spcPct val="90000"/>
             </a:lnSpc>
@@ -2049,15 +2553,15 @@
             <a:buNone/>
           </a:pPr>
           <a:r>
-            <a:rPr lang="en-US" altLang="ko-KR" sz="1000" kern="1200"/>
+            <a:rPr lang="en-US" altLang="ko-KR" sz="800" kern="1200"/>
             <a:t>Iso / 1</a:t>
           </a:r>
-          <a:endParaRPr lang="ko-KR" altLang="en-US" sz="1000" kern="1200"/>
+          <a:endParaRPr lang="ko-KR" altLang="en-US" sz="800" kern="1200"/>
         </a:p>
       </dsp:txBody>
       <dsp:txXfrm>
-        <a:off x="3447073" y="975856"/>
-        <a:ext cx="1335452" cy="289959"/>
+        <a:off x="4261167" y="985378"/>
+        <a:ext cx="921814" cy="200148"/>
       </dsp:txXfrm>
     </dsp:sp>
     <dsp:sp modelId="{A8CAD384-8797-421B-99C3-6A882B1C8232}">
@@ -2067,8 +2571,8 @@
       </dsp:nvSpPr>
       <dsp:spPr>
         <a:xfrm>
-          <a:off x="4069080" y="1274836"/>
-          <a:ext cx="91440" cy="360931"/>
+          <a:off x="4676354" y="1191754"/>
+          <a:ext cx="91440" cy="211038"/>
         </a:xfrm>
         <a:custGeom>
           <a:avLst/>
@@ -2082,7 +2586,7 @@
                 <a:pt x="45720" y="0"/>
               </a:moveTo>
               <a:lnTo>
-                <a:pt x="45720" y="360931"/>
+                <a:pt x="45720" y="211038"/>
               </a:lnTo>
             </a:path>
           </a:pathLst>
@@ -2122,8 +2626,8 @@
       </dsp:nvSpPr>
       <dsp:spPr>
         <a:xfrm>
-          <a:off x="3438052" y="1635768"/>
-          <a:ext cx="1353494" cy="308001"/>
+          <a:off x="4254940" y="1402792"/>
+          <a:ext cx="934268" cy="212602"/>
         </a:xfrm>
         <a:prstGeom prst="roundRect">
           <a:avLst>
@@ -2167,12 +2671,12 @@
         </a:fontRef>
       </dsp:style>
       <dsp:txBody>
-        <a:bodyPr spcFirstLastPara="0" vert="horz" wrap="square" lIns="38100" tIns="38100" rIns="38100" bIns="38100" numCol="1" spcCol="1270" anchor="ctr" anchorCtr="0">
+        <a:bodyPr spcFirstLastPara="0" vert="horz" wrap="square" lIns="30480" tIns="30480" rIns="30480" bIns="30480" numCol="1" spcCol="1270" anchor="ctr" anchorCtr="0">
           <a:noAutofit/>
         </a:bodyPr>
         <a:lstStyle/>
         <a:p>
-          <a:pPr marL="0" lvl="0" indent="0" algn="ctr" defTabSz="444500" latinLnBrk="1">
+          <a:pPr marL="0" lvl="0" indent="0" algn="ctr" defTabSz="355600" latinLnBrk="1">
             <a:lnSpc>
               <a:spcPct val="90000"/>
             </a:lnSpc>
@@ -2185,15 +2689,15 @@
             <a:buNone/>
           </a:pPr>
           <a:r>
-            <a:rPr lang="en-US" altLang="ko-KR" sz="1000" kern="1200"/>
+            <a:rPr lang="en-US" altLang="ko-KR" sz="800" kern="1200"/>
             <a:t>org / 3</a:t>
           </a:r>
-          <a:endParaRPr lang="ko-KR" altLang="en-US" sz="1000" kern="1200"/>
+          <a:endParaRPr lang="ko-KR" altLang="en-US" sz="800" kern="1200"/>
         </a:p>
       </dsp:txBody>
       <dsp:txXfrm>
-        <a:off x="3447073" y="1644789"/>
-        <a:ext cx="1335452" cy="289959"/>
+        <a:off x="4261167" y="1409019"/>
+        <a:ext cx="921814" cy="200148"/>
       </dsp:txXfrm>
     </dsp:sp>
     <dsp:sp modelId="{7227E5A7-36E5-4E5B-800C-9503A76B6EE3}">
@@ -2203,8 +2707,8 @@
       </dsp:nvSpPr>
       <dsp:spPr>
         <a:xfrm>
-          <a:off x="4069080" y="1943770"/>
-          <a:ext cx="91440" cy="360931"/>
+          <a:off x="4676354" y="1615395"/>
+          <a:ext cx="91440" cy="242791"/>
         </a:xfrm>
         <a:custGeom>
           <a:avLst/>
@@ -2218,7 +2722,7 @@
                 <a:pt x="45720" y="0"/>
               </a:moveTo>
               <a:lnTo>
-                <a:pt x="45720" y="360931"/>
+                <a:pt x="45720" y="242791"/>
               </a:lnTo>
             </a:path>
           </a:pathLst>
@@ -2258,8 +2762,8 @@
       </dsp:nvSpPr>
       <dsp:spPr>
         <a:xfrm>
-          <a:off x="3438052" y="2304701"/>
-          <a:ext cx="1353494" cy="308001"/>
+          <a:off x="4254940" y="1858186"/>
+          <a:ext cx="934268" cy="212602"/>
         </a:xfrm>
         <a:prstGeom prst="roundRect">
           <a:avLst>
@@ -2303,12 +2807,12 @@
         </a:fontRef>
       </dsp:style>
       <dsp:txBody>
-        <a:bodyPr spcFirstLastPara="0" vert="horz" wrap="square" lIns="38100" tIns="38100" rIns="38100" bIns="38100" numCol="1" spcCol="1270" anchor="ctr" anchorCtr="0">
+        <a:bodyPr spcFirstLastPara="0" vert="horz" wrap="square" lIns="30480" tIns="30480" rIns="30480" bIns="30480" numCol="1" spcCol="1270" anchor="ctr" anchorCtr="0">
           <a:noAutofit/>
         </a:bodyPr>
         <a:lstStyle/>
         <a:p>
-          <a:pPr marL="0" lvl="0" indent="0" algn="ctr" defTabSz="444500" latinLnBrk="1">
+          <a:pPr marL="0" lvl="0" indent="0" algn="ctr" defTabSz="355600" latinLnBrk="1">
             <a:lnSpc>
               <a:spcPct val="90000"/>
             </a:lnSpc>
@@ -2321,15 +2825,15 @@
             <a:buNone/>
           </a:pPr>
           <a:r>
-            <a:rPr lang="en-US" altLang="ko-KR" sz="1000" kern="1200"/>
+            <a:rPr lang="en-US" altLang="ko-KR" sz="800" kern="1200"/>
             <a:t>dod / 6</a:t>
           </a:r>
-          <a:endParaRPr lang="ko-KR" altLang="en-US" sz="1000" kern="1200"/>
+          <a:endParaRPr lang="ko-KR" altLang="en-US" sz="800" kern="1200"/>
         </a:p>
       </dsp:txBody>
       <dsp:txXfrm>
-        <a:off x="3447073" y="2313722"/>
-        <a:ext cx="1335452" cy="289959"/>
+        <a:off x="4261167" y="1864413"/>
+        <a:ext cx="921814" cy="200148"/>
       </dsp:txXfrm>
     </dsp:sp>
     <dsp:sp modelId="{86006B4C-7AE8-4A4A-98EC-1CD273487155}">
@@ -2339,8 +2843,8 @@
       </dsp:nvSpPr>
       <dsp:spPr>
         <a:xfrm>
-          <a:off x="4069080" y="2612703"/>
-          <a:ext cx="91440" cy="360931"/>
+          <a:off x="4676354" y="2070788"/>
+          <a:ext cx="91440" cy="225706"/>
         </a:xfrm>
         <a:custGeom>
           <a:avLst/>
@@ -2354,7 +2858,7 @@
                 <a:pt x="45720" y="0"/>
               </a:moveTo>
               <a:lnTo>
-                <a:pt x="45720" y="360931"/>
+                <a:pt x="45720" y="225706"/>
               </a:lnTo>
             </a:path>
           </a:pathLst>
@@ -2394,8 +2898,8 @@
       </dsp:nvSpPr>
       <dsp:spPr>
         <a:xfrm>
-          <a:off x="3438052" y="2973635"/>
-          <a:ext cx="1353494" cy="308001"/>
+          <a:off x="4254940" y="2296495"/>
+          <a:ext cx="934268" cy="212602"/>
         </a:xfrm>
         <a:prstGeom prst="roundRect">
           <a:avLst>
@@ -2439,12 +2943,12 @@
         </a:fontRef>
       </dsp:style>
       <dsp:txBody>
-        <a:bodyPr spcFirstLastPara="0" vert="horz" wrap="square" lIns="38100" tIns="38100" rIns="38100" bIns="38100" numCol="1" spcCol="1270" anchor="ctr" anchorCtr="0">
+        <a:bodyPr spcFirstLastPara="0" vert="horz" wrap="square" lIns="30480" tIns="30480" rIns="30480" bIns="30480" numCol="1" spcCol="1270" anchor="ctr" anchorCtr="0">
           <a:noAutofit/>
         </a:bodyPr>
         <a:lstStyle/>
         <a:p>
-          <a:pPr marL="0" lvl="0" indent="0" algn="ctr" defTabSz="444500" latinLnBrk="1">
+          <a:pPr marL="0" lvl="0" indent="0" algn="ctr" defTabSz="355600" latinLnBrk="1">
             <a:lnSpc>
               <a:spcPct val="90000"/>
             </a:lnSpc>
@@ -2457,15 +2961,15 @@
             <a:buNone/>
           </a:pPr>
           <a:r>
-            <a:rPr lang="en-US" altLang="ko-KR" sz="1000" kern="1200"/>
+            <a:rPr lang="en-US" altLang="ko-KR" sz="800" kern="1200"/>
             <a:t>internal / 1</a:t>
           </a:r>
-          <a:endParaRPr lang="ko-KR" altLang="en-US" sz="1000" kern="1200"/>
+          <a:endParaRPr lang="ko-KR" altLang="en-US" sz="800" kern="1200"/>
         </a:p>
       </dsp:txBody>
       <dsp:txXfrm>
-        <a:off x="3447073" y="2982656"/>
-        <a:ext cx="1335452" cy="289959"/>
+        <a:off x="4261167" y="2302722"/>
+        <a:ext cx="921814" cy="200148"/>
       </dsp:txXfrm>
     </dsp:sp>
     <dsp:sp modelId="{299643E4-C9BA-49B9-BB68-1D51F645D4FA}">
@@ -2475,8 +2979,8 @@
       </dsp:nvSpPr>
       <dsp:spPr>
         <a:xfrm>
-          <a:off x="1475485" y="3281636"/>
-          <a:ext cx="2639314" cy="360931"/>
+          <a:off x="2900250" y="2509097"/>
+          <a:ext cx="1821823" cy="317016"/>
         </a:xfrm>
         <a:custGeom>
           <a:avLst/>
@@ -2487,16 +2991,16 @@
           <a:pathLst>
             <a:path>
               <a:moveTo>
-                <a:pt x="2639314" y="0"/>
+                <a:pt x="1821823" y="0"/>
               </a:moveTo>
               <a:lnTo>
-                <a:pt x="2639314" y="180465"/>
+                <a:pt x="1821823" y="158508"/>
               </a:lnTo>
               <a:lnTo>
-                <a:pt x="0" y="180465"/>
+                <a:pt x="0" y="158508"/>
               </a:lnTo>
               <a:lnTo>
-                <a:pt x="0" y="360931"/>
+                <a:pt x="0" y="317016"/>
               </a:lnTo>
             </a:path>
           </a:pathLst>
@@ -2536,8 +3040,8 @@
       </dsp:nvSpPr>
       <dsp:spPr>
         <a:xfrm>
-          <a:off x="798738" y="3642568"/>
-          <a:ext cx="1353494" cy="308001"/>
+          <a:off x="2433116" y="2826113"/>
+          <a:ext cx="934268" cy="212602"/>
         </a:xfrm>
         <a:prstGeom prst="roundRect">
           <a:avLst>
@@ -2581,12 +3085,12 @@
         </a:fontRef>
       </dsp:style>
       <dsp:txBody>
-        <a:bodyPr spcFirstLastPara="0" vert="horz" wrap="square" lIns="38100" tIns="38100" rIns="38100" bIns="38100" numCol="1" spcCol="1270" anchor="ctr" anchorCtr="0">
+        <a:bodyPr spcFirstLastPara="0" vert="horz" wrap="square" lIns="30480" tIns="30480" rIns="30480" bIns="30480" numCol="1" spcCol="1270" anchor="ctr" anchorCtr="0">
           <a:noAutofit/>
         </a:bodyPr>
         <a:lstStyle/>
         <a:p>
-          <a:pPr marL="0" lvl="0" indent="0" algn="ctr" defTabSz="444500" latinLnBrk="1">
+          <a:pPr marL="0" lvl="0" indent="0" algn="ctr" defTabSz="355600" latinLnBrk="1">
             <a:lnSpc>
               <a:spcPct val="90000"/>
             </a:lnSpc>
@@ -2599,15 +3103,15 @@
             <a:buNone/>
           </a:pPr>
           <a:r>
-            <a:rPr lang="en-US" altLang="ko-KR" sz="1000" kern="1200"/>
+            <a:rPr lang="en-US" altLang="ko-KR" sz="800" kern="1200"/>
             <a:t>directory / 1</a:t>
           </a:r>
-          <a:endParaRPr lang="ko-KR" altLang="en-US" sz="1000" kern="1200"/>
+          <a:endParaRPr lang="ko-KR" altLang="en-US" sz="800" kern="1200"/>
         </a:p>
       </dsp:txBody>
       <dsp:txXfrm>
-        <a:off x="807759" y="3651589"/>
-        <a:ext cx="1335452" cy="289959"/>
+        <a:off x="2439343" y="2832340"/>
+        <a:ext cx="921814" cy="200148"/>
       </dsp:txXfrm>
     </dsp:sp>
     <dsp:sp modelId="{63C0A1EC-A5C6-4E6D-8D2C-E576274BB8A2}">
@@ -2617,8 +3121,8 @@
       </dsp:nvSpPr>
       <dsp:spPr>
         <a:xfrm>
-          <a:off x="3235028" y="3281636"/>
-          <a:ext cx="879771" cy="360931"/>
+          <a:off x="4114799" y="2509097"/>
+          <a:ext cx="607274" cy="317016"/>
         </a:xfrm>
         <a:custGeom>
           <a:avLst/>
@@ -2629,16 +3133,16 @@
           <a:pathLst>
             <a:path>
               <a:moveTo>
-                <a:pt x="879771" y="0"/>
+                <a:pt x="607274" y="0"/>
               </a:moveTo>
               <a:lnTo>
-                <a:pt x="879771" y="180465"/>
+                <a:pt x="607274" y="158508"/>
               </a:lnTo>
               <a:lnTo>
-                <a:pt x="0" y="180465"/>
+                <a:pt x="0" y="158508"/>
               </a:lnTo>
               <a:lnTo>
-                <a:pt x="0" y="360931"/>
+                <a:pt x="0" y="317016"/>
               </a:lnTo>
             </a:path>
           </a:pathLst>
@@ -2678,8 +3182,8 @@
       </dsp:nvSpPr>
       <dsp:spPr>
         <a:xfrm>
-          <a:off x="2558281" y="3642568"/>
-          <a:ext cx="1353494" cy="308001"/>
+          <a:off x="3647665" y="2826113"/>
+          <a:ext cx="934268" cy="212602"/>
         </a:xfrm>
         <a:prstGeom prst="roundRect">
           <a:avLst>
@@ -2723,12 +3227,12 @@
         </a:fontRef>
       </dsp:style>
       <dsp:txBody>
-        <a:bodyPr spcFirstLastPara="0" vert="horz" wrap="square" lIns="38100" tIns="38100" rIns="38100" bIns="38100" numCol="1" spcCol="1270" anchor="ctr" anchorCtr="0">
+        <a:bodyPr spcFirstLastPara="0" vert="horz" wrap="square" lIns="30480" tIns="30480" rIns="30480" bIns="30480" numCol="1" spcCol="1270" anchor="ctr" anchorCtr="0">
           <a:noAutofit/>
         </a:bodyPr>
         <a:lstStyle/>
         <a:p>
-          <a:pPr marL="0" lvl="0" indent="0" algn="ctr" defTabSz="444500" latinLnBrk="1">
+          <a:pPr marL="0" lvl="0" indent="0" algn="ctr" defTabSz="355600" latinLnBrk="1">
             <a:lnSpc>
               <a:spcPct val="90000"/>
             </a:lnSpc>
@@ -2741,26 +3245,26 @@
             <a:buNone/>
           </a:pPr>
           <a:r>
-            <a:rPr lang="en-US" altLang="ko-KR" sz="1000" kern="1200"/>
+            <a:rPr lang="en-US" altLang="ko-KR" sz="800" kern="1200"/>
             <a:t>mgmt / 2</a:t>
           </a:r>
-          <a:endParaRPr lang="ko-KR" altLang="en-US" sz="1000" kern="1200"/>
+          <a:endParaRPr lang="ko-KR" altLang="en-US" sz="800" kern="1200"/>
         </a:p>
       </dsp:txBody>
       <dsp:txXfrm>
-        <a:off x="2567302" y="3651589"/>
-        <a:ext cx="1335452" cy="289959"/>
+        <a:off x="3653892" y="2832340"/>
+        <a:ext cx="921814" cy="200148"/>
       </dsp:txXfrm>
     </dsp:sp>
-    <dsp:sp modelId="{3A120BBF-4973-4A5F-BC62-744E16BC264A}">
+    <dsp:sp modelId="{9CECD2E2-0655-458F-ADB1-A65A5CA974E0}">
       <dsp:nvSpPr>
         <dsp:cNvPr id="0" name=""/>
         <dsp:cNvSpPr/>
       </dsp:nvSpPr>
       <dsp:spPr>
         <a:xfrm>
-          <a:off x="4114800" y="3281636"/>
-          <a:ext cx="879771" cy="360931"/>
+          <a:off x="4069079" y="3038715"/>
+          <a:ext cx="91440" cy="249138"/>
         </a:xfrm>
         <a:custGeom>
           <a:avLst/>
@@ -2771,16 +3275,10 @@
           <a:pathLst>
             <a:path>
               <a:moveTo>
-                <a:pt x="0" y="0"/>
+                <a:pt x="45720" y="0"/>
               </a:moveTo>
               <a:lnTo>
-                <a:pt x="0" y="180465"/>
-              </a:lnTo>
-              <a:lnTo>
-                <a:pt x="879771" y="180465"/>
-              </a:lnTo>
-              <a:lnTo>
-                <a:pt x="879771" y="360931"/>
+                <a:pt x="45720" y="249138"/>
               </a:lnTo>
             </a:path>
           </a:pathLst>
@@ -2813,15 +3311,15 @@
         <a:fontRef idx="minor"/>
       </dsp:style>
     </dsp:sp>
-    <dsp:sp modelId="{A9DD8163-16AE-49A3-ADC2-B6CE506E10DF}">
+    <dsp:sp modelId="{EDBBC500-2690-4E55-B4DD-AE467F2DF6C0}">
       <dsp:nvSpPr>
         <dsp:cNvPr id="0" name=""/>
         <dsp:cNvSpPr/>
       </dsp:nvSpPr>
       <dsp:spPr>
         <a:xfrm>
-          <a:off x="4317824" y="3642568"/>
-          <a:ext cx="1353494" cy="308001"/>
+          <a:off x="3647665" y="3287854"/>
+          <a:ext cx="934268" cy="218282"/>
         </a:xfrm>
         <a:prstGeom prst="roundRect">
           <a:avLst>
@@ -2865,12 +3363,12 @@
         </a:fontRef>
       </dsp:style>
       <dsp:txBody>
-        <a:bodyPr spcFirstLastPara="0" vert="horz" wrap="square" lIns="38100" tIns="38100" rIns="38100" bIns="38100" numCol="1" spcCol="1270" anchor="ctr" anchorCtr="0">
+        <a:bodyPr spcFirstLastPara="0" vert="horz" wrap="square" lIns="30480" tIns="30480" rIns="30480" bIns="30480" numCol="1" spcCol="1270" anchor="ctr" anchorCtr="0">
           <a:noAutofit/>
         </a:bodyPr>
         <a:lstStyle/>
         <a:p>
-          <a:pPr marL="0" lvl="0" indent="0" algn="ctr" defTabSz="444500" latinLnBrk="1">
+          <a:pPr marL="0" lvl="0" indent="0" algn="ctr" defTabSz="355600" latinLnBrk="1">
             <a:lnSpc>
               <a:spcPct val="90000"/>
             </a:lnSpc>
@@ -2883,26 +3381,26 @@
             <a:buNone/>
           </a:pPr>
           <a:r>
-            <a:rPr lang="en-US" altLang="ko-KR" sz="1000" kern="1200"/>
-            <a:t>experimental / 3</a:t>
+            <a:rPr lang="en-US" altLang="ko-KR" sz="800" kern="1200"/>
+            <a:t>mib-2 / 1</a:t>
           </a:r>
-          <a:endParaRPr lang="ko-KR" altLang="en-US" sz="1000" kern="1200"/>
+          <a:endParaRPr lang="ko-KR" altLang="en-US" sz="800" kern="1200"/>
         </a:p>
       </dsp:txBody>
       <dsp:txXfrm>
-        <a:off x="4326845" y="3651589"/>
-        <a:ext cx="1335452" cy="289959"/>
+        <a:off x="3654058" y="3294247"/>
+        <a:ext cx="921482" cy="205496"/>
       </dsp:txXfrm>
     </dsp:sp>
-    <dsp:sp modelId="{0056C3D6-1632-4D8F-AD75-C8E7F20972E1}">
+    <dsp:sp modelId="{2692B92D-12DC-4C3D-A916-1D3219A0CF6D}">
       <dsp:nvSpPr>
         <dsp:cNvPr id="0" name=""/>
         <dsp:cNvSpPr/>
       </dsp:nvSpPr>
       <dsp:spPr>
         <a:xfrm>
-          <a:off x="4114800" y="3281636"/>
-          <a:ext cx="2639314" cy="360931"/>
+          <a:off x="471152" y="3506136"/>
+          <a:ext cx="3643647" cy="249138"/>
         </a:xfrm>
         <a:custGeom>
           <a:avLst/>
@@ -2913,16 +3411,16 @@
           <a:pathLst>
             <a:path>
               <a:moveTo>
-                <a:pt x="0" y="0"/>
+                <a:pt x="3643647" y="0"/>
               </a:moveTo>
               <a:lnTo>
-                <a:pt x="0" y="180465"/>
+                <a:pt x="3643647" y="124569"/>
               </a:lnTo>
               <a:lnTo>
-                <a:pt x="2639314" y="180465"/>
+                <a:pt x="0" y="124569"/>
               </a:lnTo>
               <a:lnTo>
-                <a:pt x="2639314" y="360931"/>
+                <a:pt x="0" y="249138"/>
               </a:lnTo>
             </a:path>
           </a:pathLst>
@@ -2955,15 +3453,15 @@
         <a:fontRef idx="minor"/>
       </dsp:style>
     </dsp:sp>
-    <dsp:sp modelId="{00E70592-E2B0-44F4-8385-60050C4BF6E3}">
+    <dsp:sp modelId="{CA095205-6383-45E8-8B9D-43040AA35754}">
       <dsp:nvSpPr>
         <dsp:cNvPr id="0" name=""/>
         <dsp:cNvSpPr/>
       </dsp:nvSpPr>
       <dsp:spPr>
         <a:xfrm>
-          <a:off x="6077367" y="3642568"/>
-          <a:ext cx="1353494" cy="308001"/>
+          <a:off x="4018" y="3755274"/>
+          <a:ext cx="934268" cy="218282"/>
         </a:xfrm>
         <a:prstGeom prst="roundRect">
           <a:avLst>
@@ -3007,12 +3505,12 @@
         </a:fontRef>
       </dsp:style>
       <dsp:txBody>
-        <a:bodyPr spcFirstLastPara="0" vert="horz" wrap="square" lIns="38100" tIns="38100" rIns="38100" bIns="38100" numCol="1" spcCol="1270" anchor="ctr" anchorCtr="0">
+        <a:bodyPr spcFirstLastPara="0" vert="horz" wrap="square" lIns="30480" tIns="30480" rIns="30480" bIns="30480" numCol="1" spcCol="1270" anchor="ctr" anchorCtr="0">
           <a:noAutofit/>
         </a:bodyPr>
         <a:lstStyle/>
         <a:p>
-          <a:pPr marL="0" lvl="0" indent="0" algn="ctr" defTabSz="444500" latinLnBrk="1">
+          <a:pPr marL="0" lvl="0" indent="0" algn="ctr" defTabSz="355600" latinLnBrk="1">
             <a:lnSpc>
               <a:spcPct val="90000"/>
             </a:lnSpc>
@@ -3025,26 +3523,26 @@
             <a:buNone/>
           </a:pPr>
           <a:r>
-            <a:rPr lang="en-US" altLang="ko-KR" sz="1000" kern="1200"/>
-            <a:t>Private / 4</a:t>
+            <a:rPr lang="en-US" altLang="ko-KR" sz="800" kern="1200"/>
+            <a:t>system / 1</a:t>
           </a:r>
-          <a:endParaRPr lang="ko-KR" altLang="en-US" sz="1000" kern="1200"/>
+          <a:endParaRPr lang="ko-KR" altLang="en-US" sz="800" kern="1200"/>
         </a:p>
       </dsp:txBody>
       <dsp:txXfrm>
-        <a:off x="6086388" y="3651589"/>
-        <a:ext cx="1335452" cy="289959"/>
+        <a:off x="10411" y="3761667"/>
+        <a:ext cx="921482" cy="205496"/>
       </dsp:txXfrm>
     </dsp:sp>
-    <dsp:sp modelId="{D5482CBC-6125-4E80-ABC0-60AC73315E5C}">
+    <dsp:sp modelId="{FEF7A9F7-DC19-40CA-B67A-D54E2BA7886A}">
       <dsp:nvSpPr>
         <dsp:cNvPr id="0" name=""/>
         <dsp:cNvSpPr/>
       </dsp:nvSpPr>
       <dsp:spPr>
         <a:xfrm>
-          <a:off x="4114800" y="605903"/>
-          <a:ext cx="1759542" cy="360931"/>
+          <a:off x="1685701" y="3506136"/>
+          <a:ext cx="2429098" cy="249138"/>
         </a:xfrm>
         <a:custGeom>
           <a:avLst/>
@@ -3055,16 +3553,16 @@
           <a:pathLst>
             <a:path>
               <a:moveTo>
-                <a:pt x="0" y="0"/>
+                <a:pt x="2429098" y="0"/>
               </a:moveTo>
               <a:lnTo>
-                <a:pt x="0" y="180465"/>
+                <a:pt x="2429098" y="124569"/>
               </a:lnTo>
               <a:lnTo>
-                <a:pt x="1759542" y="180465"/>
+                <a:pt x="0" y="124569"/>
               </a:lnTo>
               <a:lnTo>
-                <a:pt x="1759542" y="360931"/>
+                <a:pt x="0" y="249138"/>
               </a:lnTo>
             </a:path>
           </a:pathLst>
@@ -3073,7 +3571,7 @@
         <a:ln w="25400" cap="flat" cmpd="sng" algn="ctr">
           <a:solidFill>
             <a:schemeClr val="dk1">
-              <a:shade val="60000"/>
+              <a:shade val="80000"/>
               <a:hueOff val="0"/>
               <a:satOff val="0"/>
               <a:lumOff val="0"/>
@@ -3097,15 +3595,15 @@
         <a:fontRef idx="minor"/>
       </dsp:style>
     </dsp:sp>
-    <dsp:sp modelId="{E1E21DD1-0B25-4826-B7EB-06589C2ED461}">
+    <dsp:sp modelId="{919B05FB-C40E-4614-A2CE-59CD8D798943}">
       <dsp:nvSpPr>
         <dsp:cNvPr id="0" name=""/>
         <dsp:cNvSpPr/>
       </dsp:nvSpPr>
       <dsp:spPr>
         <a:xfrm>
-          <a:off x="5197595" y="966835"/>
-          <a:ext cx="1353494" cy="308001"/>
+          <a:off x="1218567" y="3755274"/>
+          <a:ext cx="934268" cy="218282"/>
         </a:xfrm>
         <a:prstGeom prst="roundRect">
           <a:avLst>
@@ -3149,12 +3647,12 @@
         </a:fontRef>
       </dsp:style>
       <dsp:txBody>
-        <a:bodyPr spcFirstLastPara="0" vert="horz" wrap="square" lIns="38100" tIns="38100" rIns="38100" bIns="38100" numCol="1" spcCol="1270" anchor="ctr" anchorCtr="0">
+        <a:bodyPr spcFirstLastPara="0" vert="horz" wrap="square" lIns="30480" tIns="30480" rIns="30480" bIns="30480" numCol="1" spcCol="1270" anchor="ctr" anchorCtr="0">
           <a:noAutofit/>
         </a:bodyPr>
         <a:lstStyle/>
         <a:p>
-          <a:pPr marL="0" lvl="0" indent="0" algn="ctr" defTabSz="444500" latinLnBrk="1">
+          <a:pPr marL="0" lvl="0" indent="0" algn="ctr" defTabSz="355600" latinLnBrk="1">
             <a:lnSpc>
               <a:spcPct val="90000"/>
             </a:lnSpc>
@@ -3167,15 +3665,1145 @@
             <a:buNone/>
           </a:pPr>
           <a:r>
-            <a:rPr lang="en-US" altLang="ko-KR" sz="1000" kern="1200"/>
-            <a:t>joint / 2</a:t>
+            <a:rPr lang="en-US" altLang="ko-KR" sz="800" kern="1200"/>
+            <a:t>interface / 2</a:t>
           </a:r>
-          <a:endParaRPr lang="ko-KR" altLang="en-US" sz="1000" kern="1200"/>
+          <a:endParaRPr lang="ko-KR" altLang="en-US" sz="800" kern="1200"/>
         </a:p>
       </dsp:txBody>
       <dsp:txXfrm>
-        <a:off x="5206616" y="975856"/>
-        <a:ext cx="1335452" cy="289959"/>
+        <a:off x="1224960" y="3761667"/>
+        <a:ext cx="921482" cy="205496"/>
+      </dsp:txXfrm>
+    </dsp:sp>
+    <dsp:sp modelId="{24CF8BBD-5D7D-4E3B-8EFB-A587ED5C4273}">
+      <dsp:nvSpPr>
+        <dsp:cNvPr id="0" name=""/>
+        <dsp:cNvSpPr/>
+      </dsp:nvSpPr>
+      <dsp:spPr>
+        <a:xfrm>
+          <a:off x="2900250" y="3506136"/>
+          <a:ext cx="1214549" cy="249138"/>
+        </a:xfrm>
+        <a:custGeom>
+          <a:avLst/>
+          <a:gdLst/>
+          <a:ahLst/>
+          <a:cxnLst/>
+          <a:rect l="0" t="0" r="0" b="0"/>
+          <a:pathLst>
+            <a:path>
+              <a:moveTo>
+                <a:pt x="1214549" y="0"/>
+              </a:moveTo>
+              <a:lnTo>
+                <a:pt x="1214549" y="124569"/>
+              </a:lnTo>
+              <a:lnTo>
+                <a:pt x="0" y="124569"/>
+              </a:lnTo>
+              <a:lnTo>
+                <a:pt x="0" y="249138"/>
+              </a:lnTo>
+            </a:path>
+          </a:pathLst>
+        </a:custGeom>
+        <a:noFill/>
+        <a:ln w="25400" cap="flat" cmpd="sng" algn="ctr">
+          <a:solidFill>
+            <a:schemeClr val="dk1">
+              <a:shade val="80000"/>
+              <a:hueOff val="0"/>
+              <a:satOff val="0"/>
+              <a:lumOff val="0"/>
+              <a:alphaOff val="0"/>
+            </a:schemeClr>
+          </a:solidFill>
+          <a:prstDash val="solid"/>
+        </a:ln>
+        <a:effectLst/>
+      </dsp:spPr>
+      <dsp:style>
+        <a:lnRef idx="2">
+          <a:scrgbClr r="0" g="0" b="0"/>
+        </a:lnRef>
+        <a:fillRef idx="0">
+          <a:scrgbClr r="0" g="0" b="0"/>
+        </a:fillRef>
+        <a:effectRef idx="0">
+          <a:scrgbClr r="0" g="0" b="0"/>
+        </a:effectRef>
+        <a:fontRef idx="minor"/>
+      </dsp:style>
+    </dsp:sp>
+    <dsp:sp modelId="{AD2698FD-EBE0-43B7-99B6-584D61FC3D09}">
+      <dsp:nvSpPr>
+        <dsp:cNvPr id="0" name=""/>
+        <dsp:cNvSpPr/>
+      </dsp:nvSpPr>
+      <dsp:spPr>
+        <a:xfrm>
+          <a:off x="2433116" y="3755274"/>
+          <a:ext cx="934268" cy="218282"/>
+        </a:xfrm>
+        <a:prstGeom prst="roundRect">
+          <a:avLst>
+            <a:gd name="adj" fmla="val 10000"/>
+          </a:avLst>
+        </a:prstGeom>
+        <a:solidFill>
+          <a:schemeClr val="lt1">
+            <a:hueOff val="0"/>
+            <a:satOff val="0"/>
+            <a:lumOff val="0"/>
+            <a:alphaOff val="0"/>
+          </a:schemeClr>
+        </a:solidFill>
+        <a:ln w="25400" cap="flat" cmpd="sng" algn="ctr">
+          <a:solidFill>
+            <a:schemeClr val="dk1">
+              <a:shade val="80000"/>
+              <a:hueOff val="0"/>
+              <a:satOff val="0"/>
+              <a:lumOff val="0"/>
+              <a:alphaOff val="0"/>
+            </a:schemeClr>
+          </a:solidFill>
+          <a:prstDash val="solid"/>
+        </a:ln>
+        <a:effectLst/>
+      </dsp:spPr>
+      <dsp:style>
+        <a:lnRef idx="2">
+          <a:scrgbClr r="0" g="0" b="0"/>
+        </a:lnRef>
+        <a:fillRef idx="1">
+          <a:scrgbClr r="0" g="0" b="0"/>
+        </a:fillRef>
+        <a:effectRef idx="0">
+          <a:scrgbClr r="0" g="0" b="0"/>
+        </a:effectRef>
+        <a:fontRef idx="minor">
+          <a:schemeClr val="lt1"/>
+        </a:fontRef>
+      </dsp:style>
+      <dsp:txBody>
+        <a:bodyPr spcFirstLastPara="0" vert="horz" wrap="square" lIns="30480" tIns="30480" rIns="30480" bIns="30480" numCol="1" spcCol="1270" anchor="ctr" anchorCtr="0">
+          <a:noAutofit/>
+        </a:bodyPr>
+        <a:lstStyle/>
+        <a:p>
+          <a:pPr marL="0" lvl="0" indent="0" algn="ctr" defTabSz="355600" latinLnBrk="1">
+            <a:lnSpc>
+              <a:spcPct val="90000"/>
+            </a:lnSpc>
+            <a:spcBef>
+              <a:spcPct val="0"/>
+            </a:spcBef>
+            <a:spcAft>
+              <a:spcPct val="35000"/>
+            </a:spcAft>
+            <a:buNone/>
+          </a:pPr>
+          <a:r>
+            <a:rPr lang="en-US" altLang="ko-KR" sz="800" kern="1200"/>
+            <a:t>ip / 4</a:t>
+          </a:r>
+          <a:endParaRPr lang="ko-KR" altLang="en-US" sz="800" kern="1200"/>
+        </a:p>
+      </dsp:txBody>
+      <dsp:txXfrm>
+        <a:off x="2439509" y="3761667"/>
+        <a:ext cx="921482" cy="205496"/>
+      </dsp:txXfrm>
+    </dsp:sp>
+    <dsp:sp modelId="{5DE8BF0E-EDED-4C28-8336-A27CDB084B89}">
+      <dsp:nvSpPr>
+        <dsp:cNvPr id="0" name=""/>
+        <dsp:cNvSpPr/>
+      </dsp:nvSpPr>
+      <dsp:spPr>
+        <a:xfrm>
+          <a:off x="4069080" y="3506136"/>
+          <a:ext cx="91440" cy="249138"/>
+        </a:xfrm>
+        <a:custGeom>
+          <a:avLst/>
+          <a:gdLst/>
+          <a:ahLst/>
+          <a:cxnLst/>
+          <a:rect l="0" t="0" r="0" b="0"/>
+          <a:pathLst>
+            <a:path>
+              <a:moveTo>
+                <a:pt x="45720" y="0"/>
+              </a:moveTo>
+              <a:lnTo>
+                <a:pt x="45720" y="249138"/>
+              </a:lnTo>
+            </a:path>
+          </a:pathLst>
+        </a:custGeom>
+        <a:noFill/>
+        <a:ln w="25400" cap="flat" cmpd="sng" algn="ctr">
+          <a:solidFill>
+            <a:schemeClr val="dk1">
+              <a:shade val="80000"/>
+              <a:hueOff val="0"/>
+              <a:satOff val="0"/>
+              <a:lumOff val="0"/>
+              <a:alphaOff val="0"/>
+            </a:schemeClr>
+          </a:solidFill>
+          <a:prstDash val="solid"/>
+        </a:ln>
+        <a:effectLst/>
+      </dsp:spPr>
+      <dsp:style>
+        <a:lnRef idx="2">
+          <a:scrgbClr r="0" g="0" b="0"/>
+        </a:lnRef>
+        <a:fillRef idx="0">
+          <a:scrgbClr r="0" g="0" b="0"/>
+        </a:fillRef>
+        <a:effectRef idx="0">
+          <a:scrgbClr r="0" g="0" b="0"/>
+        </a:effectRef>
+        <a:fontRef idx="minor"/>
+      </dsp:style>
+    </dsp:sp>
+    <dsp:sp modelId="{8D3FAF42-26F0-4601-A123-0E53872F5513}">
+      <dsp:nvSpPr>
+        <dsp:cNvPr id="0" name=""/>
+        <dsp:cNvSpPr/>
+      </dsp:nvSpPr>
+      <dsp:spPr>
+        <a:xfrm>
+          <a:off x="3647665" y="3755274"/>
+          <a:ext cx="934268" cy="232159"/>
+        </a:xfrm>
+        <a:prstGeom prst="roundRect">
+          <a:avLst>
+            <a:gd name="adj" fmla="val 10000"/>
+          </a:avLst>
+        </a:prstGeom>
+        <a:solidFill>
+          <a:schemeClr val="lt1">
+            <a:hueOff val="0"/>
+            <a:satOff val="0"/>
+            <a:lumOff val="0"/>
+            <a:alphaOff val="0"/>
+          </a:schemeClr>
+        </a:solidFill>
+        <a:ln w="25400" cap="flat" cmpd="sng" algn="ctr">
+          <a:solidFill>
+            <a:schemeClr val="dk1">
+              <a:shade val="80000"/>
+              <a:hueOff val="0"/>
+              <a:satOff val="0"/>
+              <a:lumOff val="0"/>
+              <a:alphaOff val="0"/>
+            </a:schemeClr>
+          </a:solidFill>
+          <a:prstDash val="solid"/>
+        </a:ln>
+        <a:effectLst/>
+      </dsp:spPr>
+      <dsp:style>
+        <a:lnRef idx="2">
+          <a:scrgbClr r="0" g="0" b="0"/>
+        </a:lnRef>
+        <a:fillRef idx="1">
+          <a:scrgbClr r="0" g="0" b="0"/>
+        </a:fillRef>
+        <a:effectRef idx="0">
+          <a:scrgbClr r="0" g="0" b="0"/>
+        </a:effectRef>
+        <a:fontRef idx="minor">
+          <a:schemeClr val="lt1"/>
+        </a:fontRef>
+      </dsp:style>
+      <dsp:txBody>
+        <a:bodyPr spcFirstLastPara="0" vert="horz" wrap="square" lIns="30480" tIns="30480" rIns="30480" bIns="30480" numCol="1" spcCol="1270" anchor="ctr" anchorCtr="0">
+          <a:noAutofit/>
+        </a:bodyPr>
+        <a:lstStyle/>
+        <a:p>
+          <a:pPr marL="0" lvl="0" indent="0" algn="ctr" defTabSz="355600" latinLnBrk="1">
+            <a:lnSpc>
+              <a:spcPct val="90000"/>
+            </a:lnSpc>
+            <a:spcBef>
+              <a:spcPct val="0"/>
+            </a:spcBef>
+            <a:spcAft>
+              <a:spcPct val="35000"/>
+            </a:spcAft>
+            <a:buNone/>
+          </a:pPr>
+          <a:r>
+            <a:rPr lang="en-US" altLang="ko-KR" sz="800" kern="1200"/>
+            <a:t>icmp / 5</a:t>
+          </a:r>
+          <a:endParaRPr lang="ko-KR" altLang="en-US" sz="800" kern="1200"/>
+        </a:p>
+      </dsp:txBody>
+      <dsp:txXfrm>
+        <a:off x="3654465" y="3762074"/>
+        <a:ext cx="920668" cy="218559"/>
+      </dsp:txXfrm>
+    </dsp:sp>
+    <dsp:sp modelId="{43C1020C-A9E8-4426-8E99-4AAABC0E96B6}">
+      <dsp:nvSpPr>
+        <dsp:cNvPr id="0" name=""/>
+        <dsp:cNvSpPr/>
+      </dsp:nvSpPr>
+      <dsp:spPr>
+        <a:xfrm>
+          <a:off x="4114800" y="3506136"/>
+          <a:ext cx="1214549" cy="249138"/>
+        </a:xfrm>
+        <a:custGeom>
+          <a:avLst/>
+          <a:gdLst/>
+          <a:ahLst/>
+          <a:cxnLst/>
+          <a:rect l="0" t="0" r="0" b="0"/>
+          <a:pathLst>
+            <a:path>
+              <a:moveTo>
+                <a:pt x="0" y="0"/>
+              </a:moveTo>
+              <a:lnTo>
+                <a:pt x="0" y="124569"/>
+              </a:lnTo>
+              <a:lnTo>
+                <a:pt x="1214549" y="124569"/>
+              </a:lnTo>
+              <a:lnTo>
+                <a:pt x="1214549" y="249138"/>
+              </a:lnTo>
+            </a:path>
+          </a:pathLst>
+        </a:custGeom>
+        <a:noFill/>
+        <a:ln w="25400" cap="flat" cmpd="sng" algn="ctr">
+          <a:solidFill>
+            <a:schemeClr val="dk1">
+              <a:shade val="80000"/>
+              <a:hueOff val="0"/>
+              <a:satOff val="0"/>
+              <a:lumOff val="0"/>
+              <a:alphaOff val="0"/>
+            </a:schemeClr>
+          </a:solidFill>
+          <a:prstDash val="solid"/>
+        </a:ln>
+        <a:effectLst/>
+      </dsp:spPr>
+      <dsp:style>
+        <a:lnRef idx="2">
+          <a:scrgbClr r="0" g="0" b="0"/>
+        </a:lnRef>
+        <a:fillRef idx="0">
+          <a:scrgbClr r="0" g="0" b="0"/>
+        </a:fillRef>
+        <a:effectRef idx="0">
+          <a:scrgbClr r="0" g="0" b="0"/>
+        </a:effectRef>
+        <a:fontRef idx="minor"/>
+      </dsp:style>
+    </dsp:sp>
+    <dsp:sp modelId="{72996B35-7DAD-4224-9C44-59CB04FFEA25}">
+      <dsp:nvSpPr>
+        <dsp:cNvPr id="0" name=""/>
+        <dsp:cNvSpPr/>
+      </dsp:nvSpPr>
+      <dsp:spPr>
+        <a:xfrm>
+          <a:off x="4862214" y="3755274"/>
+          <a:ext cx="934268" cy="232159"/>
+        </a:xfrm>
+        <a:prstGeom prst="roundRect">
+          <a:avLst>
+            <a:gd name="adj" fmla="val 10000"/>
+          </a:avLst>
+        </a:prstGeom>
+        <a:solidFill>
+          <a:schemeClr val="lt1">
+            <a:hueOff val="0"/>
+            <a:satOff val="0"/>
+            <a:lumOff val="0"/>
+            <a:alphaOff val="0"/>
+          </a:schemeClr>
+        </a:solidFill>
+        <a:ln w="25400" cap="flat" cmpd="sng" algn="ctr">
+          <a:solidFill>
+            <a:schemeClr val="dk1">
+              <a:shade val="80000"/>
+              <a:hueOff val="0"/>
+              <a:satOff val="0"/>
+              <a:lumOff val="0"/>
+              <a:alphaOff val="0"/>
+            </a:schemeClr>
+          </a:solidFill>
+          <a:prstDash val="solid"/>
+        </a:ln>
+        <a:effectLst/>
+      </dsp:spPr>
+      <dsp:style>
+        <a:lnRef idx="2">
+          <a:scrgbClr r="0" g="0" b="0"/>
+        </a:lnRef>
+        <a:fillRef idx="1">
+          <a:scrgbClr r="0" g="0" b="0"/>
+        </a:fillRef>
+        <a:effectRef idx="0">
+          <a:scrgbClr r="0" g="0" b="0"/>
+        </a:effectRef>
+        <a:fontRef idx="minor">
+          <a:schemeClr val="lt1"/>
+        </a:fontRef>
+      </dsp:style>
+      <dsp:txBody>
+        <a:bodyPr spcFirstLastPara="0" vert="horz" wrap="square" lIns="30480" tIns="30480" rIns="30480" bIns="30480" numCol="1" spcCol="1270" anchor="ctr" anchorCtr="0">
+          <a:noAutofit/>
+        </a:bodyPr>
+        <a:lstStyle/>
+        <a:p>
+          <a:pPr marL="0" lvl="0" indent="0" algn="ctr" defTabSz="355600" latinLnBrk="1">
+            <a:lnSpc>
+              <a:spcPct val="90000"/>
+            </a:lnSpc>
+            <a:spcBef>
+              <a:spcPct val="0"/>
+            </a:spcBef>
+            <a:spcAft>
+              <a:spcPct val="35000"/>
+            </a:spcAft>
+            <a:buNone/>
+          </a:pPr>
+          <a:r>
+            <a:rPr lang="en-US" altLang="ko-KR" sz="800" kern="1200"/>
+            <a:t>tcp / 6</a:t>
+          </a:r>
+          <a:endParaRPr lang="ko-KR" altLang="en-US" sz="800" kern="1200"/>
+        </a:p>
+      </dsp:txBody>
+      <dsp:txXfrm>
+        <a:off x="4869014" y="3762074"/>
+        <a:ext cx="920668" cy="218559"/>
+      </dsp:txXfrm>
+    </dsp:sp>
+    <dsp:sp modelId="{9C5D66B2-C1D4-462B-816D-AADCC902DD3D}">
+      <dsp:nvSpPr>
+        <dsp:cNvPr id="0" name=""/>
+        <dsp:cNvSpPr/>
+      </dsp:nvSpPr>
+      <dsp:spPr>
+        <a:xfrm>
+          <a:off x="4114800" y="3506136"/>
+          <a:ext cx="2429098" cy="249138"/>
+        </a:xfrm>
+        <a:custGeom>
+          <a:avLst/>
+          <a:gdLst/>
+          <a:ahLst/>
+          <a:cxnLst/>
+          <a:rect l="0" t="0" r="0" b="0"/>
+          <a:pathLst>
+            <a:path>
+              <a:moveTo>
+                <a:pt x="0" y="0"/>
+              </a:moveTo>
+              <a:lnTo>
+                <a:pt x="0" y="124569"/>
+              </a:lnTo>
+              <a:lnTo>
+                <a:pt x="2429098" y="124569"/>
+              </a:lnTo>
+              <a:lnTo>
+                <a:pt x="2429098" y="249138"/>
+              </a:lnTo>
+            </a:path>
+          </a:pathLst>
+        </a:custGeom>
+        <a:noFill/>
+        <a:ln w="25400" cap="flat" cmpd="sng" algn="ctr">
+          <a:solidFill>
+            <a:schemeClr val="dk1">
+              <a:shade val="80000"/>
+              <a:hueOff val="0"/>
+              <a:satOff val="0"/>
+              <a:lumOff val="0"/>
+              <a:alphaOff val="0"/>
+            </a:schemeClr>
+          </a:solidFill>
+          <a:prstDash val="solid"/>
+        </a:ln>
+        <a:effectLst/>
+      </dsp:spPr>
+      <dsp:style>
+        <a:lnRef idx="2">
+          <a:scrgbClr r="0" g="0" b="0"/>
+        </a:lnRef>
+        <a:fillRef idx="0">
+          <a:scrgbClr r="0" g="0" b="0"/>
+        </a:fillRef>
+        <a:effectRef idx="0">
+          <a:scrgbClr r="0" g="0" b="0"/>
+        </a:effectRef>
+        <a:fontRef idx="minor"/>
+      </dsp:style>
+    </dsp:sp>
+    <dsp:sp modelId="{D2D4C4B1-B619-457E-B262-F2684A3498AD}">
+      <dsp:nvSpPr>
+        <dsp:cNvPr id="0" name=""/>
+        <dsp:cNvSpPr/>
+      </dsp:nvSpPr>
+      <dsp:spPr>
+        <a:xfrm>
+          <a:off x="6076763" y="3755274"/>
+          <a:ext cx="934268" cy="232159"/>
+        </a:xfrm>
+        <a:prstGeom prst="roundRect">
+          <a:avLst>
+            <a:gd name="adj" fmla="val 10000"/>
+          </a:avLst>
+        </a:prstGeom>
+        <a:solidFill>
+          <a:schemeClr val="lt1">
+            <a:hueOff val="0"/>
+            <a:satOff val="0"/>
+            <a:lumOff val="0"/>
+            <a:alphaOff val="0"/>
+          </a:schemeClr>
+        </a:solidFill>
+        <a:ln w="25400" cap="flat" cmpd="sng" algn="ctr">
+          <a:solidFill>
+            <a:schemeClr val="dk1">
+              <a:shade val="80000"/>
+              <a:hueOff val="0"/>
+              <a:satOff val="0"/>
+              <a:lumOff val="0"/>
+              <a:alphaOff val="0"/>
+            </a:schemeClr>
+          </a:solidFill>
+          <a:prstDash val="solid"/>
+        </a:ln>
+        <a:effectLst/>
+      </dsp:spPr>
+      <dsp:style>
+        <a:lnRef idx="2">
+          <a:scrgbClr r="0" g="0" b="0"/>
+        </a:lnRef>
+        <a:fillRef idx="1">
+          <a:scrgbClr r="0" g="0" b="0"/>
+        </a:fillRef>
+        <a:effectRef idx="0">
+          <a:scrgbClr r="0" g="0" b="0"/>
+        </a:effectRef>
+        <a:fontRef idx="minor">
+          <a:schemeClr val="lt1"/>
+        </a:fontRef>
+      </dsp:style>
+      <dsp:txBody>
+        <a:bodyPr spcFirstLastPara="0" vert="horz" wrap="square" lIns="30480" tIns="30480" rIns="30480" bIns="30480" numCol="1" spcCol="1270" anchor="ctr" anchorCtr="0">
+          <a:noAutofit/>
+        </a:bodyPr>
+        <a:lstStyle/>
+        <a:p>
+          <a:pPr marL="0" lvl="0" indent="0" algn="ctr" defTabSz="355600" latinLnBrk="1">
+            <a:lnSpc>
+              <a:spcPct val="90000"/>
+            </a:lnSpc>
+            <a:spcBef>
+              <a:spcPct val="0"/>
+            </a:spcBef>
+            <a:spcAft>
+              <a:spcPct val="35000"/>
+            </a:spcAft>
+            <a:buNone/>
+          </a:pPr>
+          <a:r>
+            <a:rPr lang="en-US" altLang="ko-KR" sz="800" kern="1200"/>
+            <a:t>udp / 7</a:t>
+          </a:r>
+          <a:endParaRPr lang="ko-KR" altLang="en-US" sz="800" kern="1200"/>
+        </a:p>
+      </dsp:txBody>
+      <dsp:txXfrm>
+        <a:off x="6083563" y="3762074"/>
+        <a:ext cx="920668" cy="218559"/>
+      </dsp:txXfrm>
+    </dsp:sp>
+    <dsp:sp modelId="{8F67CA8E-CB83-4EFF-A17E-1D2514CAF192}">
+      <dsp:nvSpPr>
+        <dsp:cNvPr id="0" name=""/>
+        <dsp:cNvSpPr/>
+      </dsp:nvSpPr>
+      <dsp:spPr>
+        <a:xfrm>
+          <a:off x="4114800" y="3506136"/>
+          <a:ext cx="3643647" cy="249138"/>
+        </a:xfrm>
+        <a:custGeom>
+          <a:avLst/>
+          <a:gdLst/>
+          <a:ahLst/>
+          <a:cxnLst/>
+          <a:rect l="0" t="0" r="0" b="0"/>
+          <a:pathLst>
+            <a:path>
+              <a:moveTo>
+                <a:pt x="0" y="0"/>
+              </a:moveTo>
+              <a:lnTo>
+                <a:pt x="0" y="124569"/>
+              </a:lnTo>
+              <a:lnTo>
+                <a:pt x="3643647" y="124569"/>
+              </a:lnTo>
+              <a:lnTo>
+                <a:pt x="3643647" y="249138"/>
+              </a:lnTo>
+            </a:path>
+          </a:pathLst>
+        </a:custGeom>
+        <a:noFill/>
+        <a:ln w="25400" cap="flat" cmpd="sng" algn="ctr">
+          <a:solidFill>
+            <a:schemeClr val="dk1">
+              <a:shade val="80000"/>
+              <a:hueOff val="0"/>
+              <a:satOff val="0"/>
+              <a:lumOff val="0"/>
+              <a:alphaOff val="0"/>
+            </a:schemeClr>
+          </a:solidFill>
+          <a:prstDash val="solid"/>
+        </a:ln>
+        <a:effectLst/>
+      </dsp:spPr>
+      <dsp:style>
+        <a:lnRef idx="2">
+          <a:scrgbClr r="0" g="0" b="0"/>
+        </a:lnRef>
+        <a:fillRef idx="0">
+          <a:scrgbClr r="0" g="0" b="0"/>
+        </a:fillRef>
+        <a:effectRef idx="0">
+          <a:scrgbClr r="0" g="0" b="0"/>
+        </a:effectRef>
+        <a:fontRef idx="minor"/>
+      </dsp:style>
+    </dsp:sp>
+    <dsp:sp modelId="{F56A5A54-26D9-48D1-A6DB-2217A80DEE47}">
+      <dsp:nvSpPr>
+        <dsp:cNvPr id="0" name=""/>
+        <dsp:cNvSpPr/>
+      </dsp:nvSpPr>
+      <dsp:spPr>
+        <a:xfrm>
+          <a:off x="7291313" y="3755274"/>
+          <a:ext cx="934268" cy="232159"/>
+        </a:xfrm>
+        <a:prstGeom prst="roundRect">
+          <a:avLst>
+            <a:gd name="adj" fmla="val 10000"/>
+          </a:avLst>
+        </a:prstGeom>
+        <a:solidFill>
+          <a:schemeClr val="lt1">
+            <a:hueOff val="0"/>
+            <a:satOff val="0"/>
+            <a:lumOff val="0"/>
+            <a:alphaOff val="0"/>
+          </a:schemeClr>
+        </a:solidFill>
+        <a:ln w="25400" cap="flat" cmpd="sng" algn="ctr">
+          <a:solidFill>
+            <a:schemeClr val="dk1">
+              <a:shade val="80000"/>
+              <a:hueOff val="0"/>
+              <a:satOff val="0"/>
+              <a:lumOff val="0"/>
+              <a:alphaOff val="0"/>
+            </a:schemeClr>
+          </a:solidFill>
+          <a:prstDash val="solid"/>
+        </a:ln>
+        <a:effectLst/>
+      </dsp:spPr>
+      <dsp:style>
+        <a:lnRef idx="2">
+          <a:scrgbClr r="0" g="0" b="0"/>
+        </a:lnRef>
+        <a:fillRef idx="1">
+          <a:scrgbClr r="0" g="0" b="0"/>
+        </a:fillRef>
+        <a:effectRef idx="0">
+          <a:scrgbClr r="0" g="0" b="0"/>
+        </a:effectRef>
+        <a:fontRef idx="minor">
+          <a:schemeClr val="lt1"/>
+        </a:fontRef>
+      </dsp:style>
+      <dsp:txBody>
+        <a:bodyPr spcFirstLastPara="0" vert="horz" wrap="square" lIns="30480" tIns="30480" rIns="30480" bIns="30480" numCol="1" spcCol="1270" anchor="ctr" anchorCtr="0">
+          <a:noAutofit/>
+        </a:bodyPr>
+        <a:lstStyle/>
+        <a:p>
+          <a:pPr marL="0" lvl="0" indent="0" algn="ctr" defTabSz="355600" latinLnBrk="1">
+            <a:lnSpc>
+              <a:spcPct val="90000"/>
+            </a:lnSpc>
+            <a:spcBef>
+              <a:spcPct val="0"/>
+            </a:spcBef>
+            <a:spcAft>
+              <a:spcPct val="35000"/>
+            </a:spcAft>
+            <a:buNone/>
+          </a:pPr>
+          <a:r>
+            <a:rPr lang="en-US" altLang="ko-KR" sz="800" kern="1200"/>
+            <a:t>snmp / 11</a:t>
+          </a:r>
+          <a:endParaRPr lang="ko-KR" altLang="en-US" sz="800" kern="1200"/>
+        </a:p>
+      </dsp:txBody>
+      <dsp:txXfrm>
+        <a:off x="7298113" y="3762074"/>
+        <a:ext cx="920668" cy="218559"/>
+      </dsp:txXfrm>
+    </dsp:sp>
+    <dsp:sp modelId="{3A120BBF-4973-4A5F-BC62-744E16BC264A}">
+      <dsp:nvSpPr>
+        <dsp:cNvPr id="0" name=""/>
+        <dsp:cNvSpPr/>
+      </dsp:nvSpPr>
+      <dsp:spPr>
+        <a:xfrm>
+          <a:off x="4722074" y="2509097"/>
+          <a:ext cx="607274" cy="317016"/>
+        </a:xfrm>
+        <a:custGeom>
+          <a:avLst/>
+          <a:gdLst/>
+          <a:ahLst/>
+          <a:cxnLst/>
+          <a:rect l="0" t="0" r="0" b="0"/>
+          <a:pathLst>
+            <a:path>
+              <a:moveTo>
+                <a:pt x="0" y="0"/>
+              </a:moveTo>
+              <a:lnTo>
+                <a:pt x="0" y="158508"/>
+              </a:lnTo>
+              <a:lnTo>
+                <a:pt x="607274" y="158508"/>
+              </a:lnTo>
+              <a:lnTo>
+                <a:pt x="607274" y="317016"/>
+              </a:lnTo>
+            </a:path>
+          </a:pathLst>
+        </a:custGeom>
+        <a:noFill/>
+        <a:ln w="25400" cap="flat" cmpd="sng" algn="ctr">
+          <a:solidFill>
+            <a:schemeClr val="dk1">
+              <a:shade val="80000"/>
+              <a:hueOff val="0"/>
+              <a:satOff val="0"/>
+              <a:lumOff val="0"/>
+              <a:alphaOff val="0"/>
+            </a:schemeClr>
+          </a:solidFill>
+          <a:prstDash val="solid"/>
+        </a:ln>
+        <a:effectLst/>
+      </dsp:spPr>
+      <dsp:style>
+        <a:lnRef idx="2">
+          <a:scrgbClr r="0" g="0" b="0"/>
+        </a:lnRef>
+        <a:fillRef idx="0">
+          <a:scrgbClr r="0" g="0" b="0"/>
+        </a:fillRef>
+        <a:effectRef idx="0">
+          <a:scrgbClr r="0" g="0" b="0"/>
+        </a:effectRef>
+        <a:fontRef idx="minor"/>
+      </dsp:style>
+    </dsp:sp>
+    <dsp:sp modelId="{A9DD8163-16AE-49A3-ADC2-B6CE506E10DF}">
+      <dsp:nvSpPr>
+        <dsp:cNvPr id="0" name=""/>
+        <dsp:cNvSpPr/>
+      </dsp:nvSpPr>
+      <dsp:spPr>
+        <a:xfrm>
+          <a:off x="4862214" y="2826113"/>
+          <a:ext cx="934268" cy="212602"/>
+        </a:xfrm>
+        <a:prstGeom prst="roundRect">
+          <a:avLst>
+            <a:gd name="adj" fmla="val 10000"/>
+          </a:avLst>
+        </a:prstGeom>
+        <a:solidFill>
+          <a:schemeClr val="lt1">
+            <a:hueOff val="0"/>
+            <a:satOff val="0"/>
+            <a:lumOff val="0"/>
+            <a:alphaOff val="0"/>
+          </a:schemeClr>
+        </a:solidFill>
+        <a:ln w="25400" cap="flat" cmpd="sng" algn="ctr">
+          <a:solidFill>
+            <a:schemeClr val="dk1">
+              <a:shade val="80000"/>
+              <a:hueOff val="0"/>
+              <a:satOff val="0"/>
+              <a:lumOff val="0"/>
+              <a:alphaOff val="0"/>
+            </a:schemeClr>
+          </a:solidFill>
+          <a:prstDash val="solid"/>
+        </a:ln>
+        <a:effectLst/>
+      </dsp:spPr>
+      <dsp:style>
+        <a:lnRef idx="2">
+          <a:scrgbClr r="0" g="0" b="0"/>
+        </a:lnRef>
+        <a:fillRef idx="1">
+          <a:scrgbClr r="0" g="0" b="0"/>
+        </a:fillRef>
+        <a:effectRef idx="0">
+          <a:scrgbClr r="0" g="0" b="0"/>
+        </a:effectRef>
+        <a:fontRef idx="minor">
+          <a:schemeClr val="lt1"/>
+        </a:fontRef>
+      </dsp:style>
+      <dsp:txBody>
+        <a:bodyPr spcFirstLastPara="0" vert="horz" wrap="square" lIns="30480" tIns="30480" rIns="30480" bIns="30480" numCol="1" spcCol="1270" anchor="ctr" anchorCtr="0">
+          <a:noAutofit/>
+        </a:bodyPr>
+        <a:lstStyle/>
+        <a:p>
+          <a:pPr marL="0" lvl="0" indent="0" algn="ctr" defTabSz="355600" latinLnBrk="1">
+            <a:lnSpc>
+              <a:spcPct val="90000"/>
+            </a:lnSpc>
+            <a:spcBef>
+              <a:spcPct val="0"/>
+            </a:spcBef>
+            <a:spcAft>
+              <a:spcPct val="35000"/>
+            </a:spcAft>
+            <a:buNone/>
+          </a:pPr>
+          <a:r>
+            <a:rPr lang="en-US" altLang="ko-KR" sz="800" kern="1200"/>
+            <a:t>experimental / 3</a:t>
+          </a:r>
+          <a:endParaRPr lang="ko-KR" altLang="en-US" sz="800" kern="1200"/>
+        </a:p>
+      </dsp:txBody>
+      <dsp:txXfrm>
+        <a:off x="4868441" y="2832340"/>
+        <a:ext cx="921814" cy="200148"/>
+      </dsp:txXfrm>
+    </dsp:sp>
+    <dsp:sp modelId="{0056C3D6-1632-4D8F-AD75-C8E7F20972E1}">
+      <dsp:nvSpPr>
+        <dsp:cNvPr id="0" name=""/>
+        <dsp:cNvSpPr/>
+      </dsp:nvSpPr>
+      <dsp:spPr>
+        <a:xfrm>
+          <a:off x="4722074" y="2509097"/>
+          <a:ext cx="1821823" cy="317016"/>
+        </a:xfrm>
+        <a:custGeom>
+          <a:avLst/>
+          <a:gdLst/>
+          <a:ahLst/>
+          <a:cxnLst/>
+          <a:rect l="0" t="0" r="0" b="0"/>
+          <a:pathLst>
+            <a:path>
+              <a:moveTo>
+                <a:pt x="0" y="0"/>
+              </a:moveTo>
+              <a:lnTo>
+                <a:pt x="0" y="158508"/>
+              </a:lnTo>
+              <a:lnTo>
+                <a:pt x="1821823" y="158508"/>
+              </a:lnTo>
+              <a:lnTo>
+                <a:pt x="1821823" y="317016"/>
+              </a:lnTo>
+            </a:path>
+          </a:pathLst>
+        </a:custGeom>
+        <a:noFill/>
+        <a:ln w="25400" cap="flat" cmpd="sng" algn="ctr">
+          <a:solidFill>
+            <a:schemeClr val="dk1">
+              <a:shade val="80000"/>
+              <a:hueOff val="0"/>
+              <a:satOff val="0"/>
+              <a:lumOff val="0"/>
+              <a:alphaOff val="0"/>
+            </a:schemeClr>
+          </a:solidFill>
+          <a:prstDash val="solid"/>
+        </a:ln>
+        <a:effectLst/>
+      </dsp:spPr>
+      <dsp:style>
+        <a:lnRef idx="2">
+          <a:scrgbClr r="0" g="0" b="0"/>
+        </a:lnRef>
+        <a:fillRef idx="0">
+          <a:scrgbClr r="0" g="0" b="0"/>
+        </a:fillRef>
+        <a:effectRef idx="0">
+          <a:scrgbClr r="0" g="0" b="0"/>
+        </a:effectRef>
+        <a:fontRef idx="minor"/>
+      </dsp:style>
+    </dsp:sp>
+    <dsp:sp modelId="{00E70592-E2B0-44F4-8385-60050C4BF6E3}">
+      <dsp:nvSpPr>
+        <dsp:cNvPr id="0" name=""/>
+        <dsp:cNvSpPr/>
+      </dsp:nvSpPr>
+      <dsp:spPr>
+        <a:xfrm>
+          <a:off x="6076763" y="2826113"/>
+          <a:ext cx="934268" cy="212602"/>
+        </a:xfrm>
+        <a:prstGeom prst="roundRect">
+          <a:avLst>
+            <a:gd name="adj" fmla="val 10000"/>
+          </a:avLst>
+        </a:prstGeom>
+        <a:solidFill>
+          <a:schemeClr val="lt1">
+            <a:hueOff val="0"/>
+            <a:satOff val="0"/>
+            <a:lumOff val="0"/>
+            <a:alphaOff val="0"/>
+          </a:schemeClr>
+        </a:solidFill>
+        <a:ln w="25400" cap="flat" cmpd="sng" algn="ctr">
+          <a:solidFill>
+            <a:schemeClr val="dk1">
+              <a:shade val="80000"/>
+              <a:hueOff val="0"/>
+              <a:satOff val="0"/>
+              <a:lumOff val="0"/>
+              <a:alphaOff val="0"/>
+            </a:schemeClr>
+          </a:solidFill>
+          <a:prstDash val="solid"/>
+        </a:ln>
+        <a:effectLst/>
+      </dsp:spPr>
+      <dsp:style>
+        <a:lnRef idx="2">
+          <a:scrgbClr r="0" g="0" b="0"/>
+        </a:lnRef>
+        <a:fillRef idx="1">
+          <a:scrgbClr r="0" g="0" b="0"/>
+        </a:fillRef>
+        <a:effectRef idx="0">
+          <a:scrgbClr r="0" g="0" b="0"/>
+        </a:effectRef>
+        <a:fontRef idx="minor">
+          <a:schemeClr val="lt1"/>
+        </a:fontRef>
+      </dsp:style>
+      <dsp:txBody>
+        <a:bodyPr spcFirstLastPara="0" vert="horz" wrap="square" lIns="30480" tIns="30480" rIns="30480" bIns="30480" numCol="1" spcCol="1270" anchor="ctr" anchorCtr="0">
+          <a:noAutofit/>
+        </a:bodyPr>
+        <a:lstStyle/>
+        <a:p>
+          <a:pPr marL="0" lvl="0" indent="0" algn="ctr" defTabSz="355600" latinLnBrk="1">
+            <a:lnSpc>
+              <a:spcPct val="90000"/>
+            </a:lnSpc>
+            <a:spcBef>
+              <a:spcPct val="0"/>
+            </a:spcBef>
+            <a:spcAft>
+              <a:spcPct val="35000"/>
+            </a:spcAft>
+            <a:buNone/>
+          </a:pPr>
+          <a:r>
+            <a:rPr lang="en-US" altLang="ko-KR" sz="800" kern="1200"/>
+            <a:t>private / 4</a:t>
+          </a:r>
+          <a:endParaRPr lang="ko-KR" altLang="en-US" sz="800" kern="1200"/>
+        </a:p>
+      </dsp:txBody>
+      <dsp:txXfrm>
+        <a:off x="6082990" y="2832340"/>
+        <a:ext cx="921814" cy="200148"/>
+      </dsp:txXfrm>
+    </dsp:sp>
+    <dsp:sp modelId="{D5482CBC-6125-4E80-ABC0-60AC73315E5C}">
+      <dsp:nvSpPr>
+        <dsp:cNvPr id="0" name=""/>
+        <dsp:cNvSpPr/>
+      </dsp:nvSpPr>
+      <dsp:spPr>
+        <a:xfrm>
+          <a:off x="4722074" y="730013"/>
+          <a:ext cx="1214549" cy="249138"/>
+        </a:xfrm>
+        <a:custGeom>
+          <a:avLst/>
+          <a:gdLst/>
+          <a:ahLst/>
+          <a:cxnLst/>
+          <a:rect l="0" t="0" r="0" b="0"/>
+          <a:pathLst>
+            <a:path>
+              <a:moveTo>
+                <a:pt x="0" y="0"/>
+              </a:moveTo>
+              <a:lnTo>
+                <a:pt x="0" y="124569"/>
+              </a:lnTo>
+              <a:lnTo>
+                <a:pt x="1214549" y="124569"/>
+              </a:lnTo>
+              <a:lnTo>
+                <a:pt x="1214549" y="249138"/>
+              </a:lnTo>
+            </a:path>
+          </a:pathLst>
+        </a:custGeom>
+        <a:noFill/>
+        <a:ln w="25400" cap="flat" cmpd="sng" algn="ctr">
+          <a:solidFill>
+            <a:schemeClr val="dk1">
+              <a:shade val="60000"/>
+              <a:hueOff val="0"/>
+              <a:satOff val="0"/>
+              <a:lumOff val="0"/>
+              <a:alphaOff val="0"/>
+            </a:schemeClr>
+          </a:solidFill>
+          <a:prstDash val="solid"/>
+        </a:ln>
+        <a:effectLst/>
+      </dsp:spPr>
+      <dsp:style>
+        <a:lnRef idx="2">
+          <a:scrgbClr r="0" g="0" b="0"/>
+        </a:lnRef>
+        <a:fillRef idx="0">
+          <a:scrgbClr r="0" g="0" b="0"/>
+        </a:fillRef>
+        <a:effectRef idx="0">
+          <a:scrgbClr r="0" g="0" b="0"/>
+        </a:effectRef>
+        <a:fontRef idx="minor"/>
+      </dsp:style>
+    </dsp:sp>
+    <dsp:sp modelId="{E1E21DD1-0B25-4826-B7EB-06589C2ED461}">
+      <dsp:nvSpPr>
+        <dsp:cNvPr id="0" name=""/>
+        <dsp:cNvSpPr/>
+      </dsp:nvSpPr>
+      <dsp:spPr>
+        <a:xfrm>
+          <a:off x="5469489" y="979151"/>
+          <a:ext cx="934268" cy="212602"/>
+        </a:xfrm>
+        <a:prstGeom prst="roundRect">
+          <a:avLst>
+            <a:gd name="adj" fmla="val 10000"/>
+          </a:avLst>
+        </a:prstGeom>
+        <a:solidFill>
+          <a:schemeClr val="lt1">
+            <a:hueOff val="0"/>
+            <a:satOff val="0"/>
+            <a:lumOff val="0"/>
+            <a:alphaOff val="0"/>
+          </a:schemeClr>
+        </a:solidFill>
+        <a:ln w="25400" cap="flat" cmpd="sng" algn="ctr">
+          <a:solidFill>
+            <a:schemeClr val="dk1">
+              <a:shade val="80000"/>
+              <a:hueOff val="0"/>
+              <a:satOff val="0"/>
+              <a:lumOff val="0"/>
+              <a:alphaOff val="0"/>
+            </a:schemeClr>
+          </a:solidFill>
+          <a:prstDash val="solid"/>
+        </a:ln>
+        <a:effectLst/>
+      </dsp:spPr>
+      <dsp:style>
+        <a:lnRef idx="2">
+          <a:scrgbClr r="0" g="0" b="0"/>
+        </a:lnRef>
+        <a:fillRef idx="1">
+          <a:scrgbClr r="0" g="0" b="0"/>
+        </a:fillRef>
+        <a:effectRef idx="0">
+          <a:scrgbClr r="0" g="0" b="0"/>
+        </a:effectRef>
+        <a:fontRef idx="minor">
+          <a:schemeClr val="lt1"/>
+        </a:fontRef>
+      </dsp:style>
+      <dsp:txBody>
+        <a:bodyPr spcFirstLastPara="0" vert="horz" wrap="square" lIns="30480" tIns="30480" rIns="30480" bIns="30480" numCol="1" spcCol="1270" anchor="ctr" anchorCtr="0">
+          <a:noAutofit/>
+        </a:bodyPr>
+        <a:lstStyle/>
+        <a:p>
+          <a:pPr marL="0" lvl="0" indent="0" algn="ctr" defTabSz="355600" latinLnBrk="1">
+            <a:lnSpc>
+              <a:spcPct val="90000"/>
+            </a:lnSpc>
+            <a:spcBef>
+              <a:spcPct val="0"/>
+            </a:spcBef>
+            <a:spcAft>
+              <a:spcPct val="35000"/>
+            </a:spcAft>
+            <a:buNone/>
+          </a:pPr>
+          <a:r>
+            <a:rPr lang="en-US" altLang="ko-KR" sz="800" kern="1200"/>
+            <a:t>joint / 2</a:t>
+          </a:r>
+          <a:endParaRPr lang="ko-KR" altLang="en-US" sz="800" kern="1200"/>
+        </a:p>
+      </dsp:txBody>
+      <dsp:txXfrm>
+        <a:off x="5475716" y="985378"/>
+        <a:ext cx="921814" cy="200148"/>
       </dsp:txXfrm>
     </dsp:sp>
   </dsp:spTree>
@@ -4809,7 +6437,7 @@
           <a:p>
             <a:fld id="{6CD5550B-26C4-49A9-A5BA-636EF7BE6CE9}" type="datetimeFigureOut">
               <a:rPr lang="ko-KR" altLang="en-US" smtClean="0"/>
-              <a:t>2020-05-15</a:t>
+              <a:t>2020-05-16</a:t>
             </a:fld>
             <a:endParaRPr lang="ko-KR" altLang="en-US"/>
           </a:p>
@@ -5423,7 +7051,7 @@
           <a:p>
             <a:fld id="{FB30EDBD-1C2D-4C1E-B459-B60219FAB484}" type="datetimeFigureOut">
               <a:rPr lang="ko-KR" altLang="en-US" smtClean="0"/>
-              <a:t>2020-05-15</a:t>
+              <a:t>2020-05-16</a:t>
             </a:fld>
             <a:endParaRPr lang="ko-KR" altLang="en-US"/>
           </a:p>
@@ -5586,7 +7214,7 @@
           <a:p>
             <a:fld id="{FB30EDBD-1C2D-4C1E-B459-B60219FAB484}" type="datetimeFigureOut">
               <a:rPr lang="ko-KR" altLang="en-US" smtClean="0"/>
-              <a:t>2020-05-15</a:t>
+              <a:t>2020-05-16</a:t>
             </a:fld>
             <a:endParaRPr lang="ko-KR" altLang="en-US"/>
           </a:p>
@@ -5759,7 +7387,7 @@
           <a:p>
             <a:fld id="{FB30EDBD-1C2D-4C1E-B459-B60219FAB484}" type="datetimeFigureOut">
               <a:rPr lang="ko-KR" altLang="en-US" smtClean="0"/>
-              <a:t>2020-05-15</a:t>
+              <a:t>2020-05-16</a:t>
             </a:fld>
             <a:endParaRPr lang="ko-KR" altLang="en-US"/>
           </a:p>
@@ -5922,7 +7550,7 @@
           <a:p>
             <a:fld id="{FB30EDBD-1C2D-4C1E-B459-B60219FAB484}" type="datetimeFigureOut">
               <a:rPr lang="ko-KR" altLang="en-US" smtClean="0"/>
-              <a:t>2020-05-15</a:t>
+              <a:t>2020-05-16</a:t>
             </a:fld>
             <a:endParaRPr lang="ko-KR" altLang="en-US"/>
           </a:p>
@@ -6162,7 +7790,7 @@
           <a:p>
             <a:fld id="{FB30EDBD-1C2D-4C1E-B459-B60219FAB484}" type="datetimeFigureOut">
               <a:rPr lang="ko-KR" altLang="en-US" smtClean="0"/>
-              <a:t>2020-05-15</a:t>
+              <a:t>2020-05-16</a:t>
             </a:fld>
             <a:endParaRPr lang="ko-KR" altLang="en-US"/>
           </a:p>
@@ -6442,7 +8070,7 @@
           <a:p>
             <a:fld id="{FB30EDBD-1C2D-4C1E-B459-B60219FAB484}" type="datetimeFigureOut">
               <a:rPr lang="ko-KR" altLang="en-US" smtClean="0"/>
-              <a:t>2020-05-15</a:t>
+              <a:t>2020-05-16</a:t>
             </a:fld>
             <a:endParaRPr lang="ko-KR" altLang="en-US"/>
           </a:p>
@@ -6856,7 +8484,7 @@
           <a:p>
             <a:fld id="{FB30EDBD-1C2D-4C1E-B459-B60219FAB484}" type="datetimeFigureOut">
               <a:rPr lang="ko-KR" altLang="en-US" smtClean="0"/>
-              <a:t>2020-05-15</a:t>
+              <a:t>2020-05-16</a:t>
             </a:fld>
             <a:endParaRPr lang="ko-KR" altLang="en-US"/>
           </a:p>
@@ -6968,7 +8596,7 @@
           <a:p>
             <a:fld id="{FB30EDBD-1C2D-4C1E-B459-B60219FAB484}" type="datetimeFigureOut">
               <a:rPr lang="ko-KR" altLang="en-US" smtClean="0"/>
-              <a:t>2020-05-15</a:t>
+              <a:t>2020-05-16</a:t>
             </a:fld>
             <a:endParaRPr lang="ko-KR" altLang="en-US"/>
           </a:p>
@@ -7058,7 +8686,7 @@
           <a:p>
             <a:fld id="{FB30EDBD-1C2D-4C1E-B459-B60219FAB484}" type="datetimeFigureOut">
               <a:rPr lang="ko-KR" altLang="en-US" smtClean="0"/>
-              <a:t>2020-05-15</a:t>
+              <a:t>2020-05-16</a:t>
             </a:fld>
             <a:endParaRPr lang="ko-KR" altLang="en-US"/>
           </a:p>
@@ -7328,7 +8956,7 @@
           <a:p>
             <a:fld id="{FB30EDBD-1C2D-4C1E-B459-B60219FAB484}" type="datetimeFigureOut">
               <a:rPr lang="ko-KR" altLang="en-US" smtClean="0"/>
-              <a:t>2020-05-15</a:t>
+              <a:t>2020-05-16</a:t>
             </a:fld>
             <a:endParaRPr lang="ko-KR" altLang="en-US"/>
           </a:p>
@@ -7575,7 +9203,7 @@
           <a:p>
             <a:fld id="{FB30EDBD-1C2D-4C1E-B459-B60219FAB484}" type="datetimeFigureOut">
               <a:rPr lang="ko-KR" altLang="en-US" smtClean="0"/>
-              <a:t>2020-05-15</a:t>
+              <a:t>2020-05-16</a:t>
             </a:fld>
             <a:endParaRPr lang="ko-KR" altLang="en-US"/>
           </a:p>
@@ -7781,7 +9409,7 @@
           <a:p>
             <a:fld id="{FB30EDBD-1C2D-4C1E-B459-B60219FAB484}" type="datetimeFigureOut">
               <a:rPr lang="ko-KR" altLang="en-US" smtClean="0"/>
-              <a:t>2020-05-15</a:t>
+              <a:t>2020-05-16</a:t>
             </a:fld>
             <a:endParaRPr lang="ko-KR" altLang="en-US"/>
           </a:p>
@@ -9078,14 +10706,14 @@
           <p:nvPr>
             <p:extLst>
               <p:ext uri="{D42A27DB-BD31-4B8C-83A1-F6EECF244321}">
-                <p14:modId xmlns:p14="http://schemas.microsoft.com/office/powerpoint/2010/main" val="2323834982"/>
+                <p14:modId xmlns:p14="http://schemas.microsoft.com/office/powerpoint/2010/main" val="4053612311"/>
               </p:ext>
             </p:extLst>
           </p:nvPr>
         </p:nvGraphicFramePr>
         <p:xfrm>
-          <a:off x="565354" y="771550"/>
-          <a:ext cx="8229600" cy="4248472"/>
+          <a:off x="565354" y="483518"/>
+          <a:ext cx="8229600" cy="4491492"/>
         </p:xfrm>
         <a:graphic>
           <a:graphicData uri="http://schemas.openxmlformats.org/drawingml/2006/diagram">
